--- a/Ch1.Introduction.pptx
+++ b/Ch1.Introduction.pptx
@@ -6,6 +6,28 @@
   </p:sldMasterIdLst>
   <p:sldIdLst>
     <p:sldId id="256" r:id="rId2"/>
+    <p:sldId id="257" r:id="rId3"/>
+    <p:sldId id="258" r:id="rId4"/>
+    <p:sldId id="259" r:id="rId5"/>
+    <p:sldId id="260" r:id="rId6"/>
+    <p:sldId id="261" r:id="rId7"/>
+    <p:sldId id="262" r:id="rId8"/>
+    <p:sldId id="263" r:id="rId9"/>
+    <p:sldId id="264" r:id="rId10"/>
+    <p:sldId id="265" r:id="rId11"/>
+    <p:sldId id="266" r:id="rId12"/>
+    <p:sldId id="267" r:id="rId13"/>
+    <p:sldId id="268" r:id="rId14"/>
+    <p:sldId id="269" r:id="rId15"/>
+    <p:sldId id="270" r:id="rId16"/>
+    <p:sldId id="271" r:id="rId17"/>
+    <p:sldId id="272" r:id="rId18"/>
+    <p:sldId id="273" r:id="rId19"/>
+    <p:sldId id="274" r:id="rId20"/>
+    <p:sldId id="275" r:id="rId21"/>
+    <p:sldId id="276" r:id="rId22"/>
+    <p:sldId id="277" r:id="rId23"/>
+    <p:sldId id="278" r:id="rId24"/>
   </p:sldIdLst>
   <p:sldSz cx="9144000" cy="6858000" type="screen4x3"/>
   <p:notesSz cx="6858000" cy="9144000"/>
@@ -390,7 +412,7 @@
           <a:p>
             <a:fld id="{B01F9CA3-105E-4857-9057-6DB6197DA786}" type="datetimeFigureOut">
               <a:rPr lang="en-US" smtClean="0"/>
-              <a:t>7/16/14</a:t>
+              <a:t>7/17/14</a:t>
             </a:fld>
             <a:endParaRPr lang="en-US"/>
           </a:p>
@@ -582,7 +604,7 @@
           <a:p>
             <a:fld id="{B01F9CA3-105E-4857-9057-6DB6197DA786}" type="datetimeFigureOut">
               <a:rPr lang="en-US" smtClean="0"/>
-              <a:t>7/16/14</a:t>
+              <a:t>7/17/14</a:t>
             </a:fld>
             <a:endParaRPr lang="en-US"/>
           </a:p>
@@ -851,7 +873,7 @@
           <a:p>
             <a:fld id="{B01F9CA3-105E-4857-9057-6DB6197DA786}" type="datetimeFigureOut">
               <a:rPr lang="en-US" smtClean="0"/>
-              <a:t>7/16/14</a:t>
+              <a:t>7/17/14</a:t>
             </a:fld>
             <a:endParaRPr lang="en-US"/>
           </a:p>
@@ -1030,7 +1052,7 @@
           <a:p>
             <a:fld id="{B01F9CA3-105E-4857-9057-6DB6197DA786}" type="datetimeFigureOut">
               <a:rPr lang="en-US" smtClean="0"/>
-              <a:t>7/16/14</a:t>
+              <a:t>7/17/14</a:t>
             </a:fld>
             <a:endParaRPr lang="en-US"/>
           </a:p>
@@ -1199,7 +1221,7 @@
           <a:p>
             <a:fld id="{B01F9CA3-105E-4857-9057-6DB6197DA786}" type="datetimeFigureOut">
               <a:rPr lang="en-US" smtClean="0"/>
-              <a:t>7/16/14</a:t>
+              <a:t>7/17/14</a:t>
             </a:fld>
             <a:endParaRPr lang="en-US"/>
           </a:p>
@@ -1441,7 +1463,7 @@
           <a:p>
             <a:fld id="{B01F9CA3-105E-4857-9057-6DB6197DA786}" type="datetimeFigureOut">
               <a:rPr lang="en-US" smtClean="0"/>
-              <a:t>7/16/14</a:t>
+              <a:t>7/17/14</a:t>
             </a:fld>
             <a:endParaRPr lang="en-US"/>
           </a:p>
@@ -1764,7 +1786,7 @@
           <a:p>
             <a:fld id="{B01F9CA3-105E-4857-9057-6DB6197DA786}" type="datetimeFigureOut">
               <a:rPr lang="en-US" smtClean="0"/>
-              <a:t>7/16/14</a:t>
+              <a:t>7/17/14</a:t>
             </a:fld>
             <a:endParaRPr lang="en-US"/>
           </a:p>
@@ -2062,7 +2084,7 @@
           <a:p>
             <a:fld id="{B01F9CA3-105E-4857-9057-6DB6197DA786}" type="datetimeFigureOut">
               <a:rPr lang="en-US" smtClean="0"/>
-              <a:t>7/16/14</a:t>
+              <a:t>7/17/14</a:t>
             </a:fld>
             <a:endParaRPr lang="en-US"/>
           </a:p>
@@ -2518,7 +2540,7 @@
           <a:p>
             <a:fld id="{B01F9CA3-105E-4857-9057-6DB6197DA786}" type="datetimeFigureOut">
               <a:rPr lang="en-US" smtClean="0"/>
-              <a:t>7/16/14</a:t>
+              <a:t>7/17/14</a:t>
             </a:fld>
             <a:endParaRPr lang="en-US"/>
           </a:p>
@@ -2631,7 +2653,7 @@
           <a:p>
             <a:fld id="{B01F9CA3-105E-4857-9057-6DB6197DA786}" type="datetimeFigureOut">
               <a:rPr lang="en-US" smtClean="0"/>
-              <a:t>7/16/14</a:t>
+              <a:t>7/17/14</a:t>
             </a:fld>
             <a:endParaRPr lang="en-US"/>
           </a:p>
@@ -2721,7 +2743,7 @@
           <a:p>
             <a:fld id="{B01F9CA3-105E-4857-9057-6DB6197DA786}" type="datetimeFigureOut">
               <a:rPr lang="en-US" smtClean="0"/>
-              <a:t>7/16/14</a:t>
+              <a:t>7/17/14</a:t>
             </a:fld>
             <a:endParaRPr lang="en-US"/>
           </a:p>
@@ -3003,7 +3025,7 @@
           <a:p>
             <a:fld id="{B01F9CA3-105E-4857-9057-6DB6197DA786}" type="datetimeFigureOut">
               <a:rPr lang="en-US" smtClean="0"/>
-              <a:t>7/16/14</a:t>
+              <a:t>7/17/14</a:t>
             </a:fld>
             <a:endParaRPr lang="en-US"/>
           </a:p>
@@ -3209,7 +3231,7 @@
           <a:p>
             <a:fld id="{B01F9CA3-105E-4857-9057-6DB6197DA786}" type="datetimeFigureOut">
               <a:rPr lang="en-US" smtClean="0"/>
-              <a:t>7/16/14</a:t>
+              <a:t>7/17/14</a:t>
             </a:fld>
             <a:endParaRPr lang="en-US"/>
           </a:p>
@@ -3721,6 +3743,2945 @@
 </p:sld>
 </file>
 
+<file path=ppt/slides/slide10.xml><?xml version="1.0" encoding="utf-8"?>
+<p:sld xmlns:a="http://schemas.openxmlformats.org/drawingml/2006/main" xmlns:r="http://schemas.openxmlformats.org/officeDocument/2006/relationships" xmlns:p="http://schemas.openxmlformats.org/presentationml/2006/main">
+  <p:cSld>
+    <p:spTree>
+      <p:nvGrpSpPr>
+        <p:cNvPr id="1" name=""/>
+        <p:cNvGrpSpPr/>
+        <p:nvPr/>
+      </p:nvGrpSpPr>
+      <p:grpSpPr>
+        <a:xfrm>
+          <a:off x="0" y="0"/>
+          <a:ext cx="0" cy="0"/>
+          <a:chOff x="0" y="0"/>
+          <a:chExt cx="0" cy="0"/>
+        </a:xfrm>
+      </p:grpSpPr>
+      <p:sp>
+        <p:nvSpPr>
+          <p:cNvPr id="2" name="Title 1"/>
+          <p:cNvSpPr>
+            <a:spLocks noGrp="1"/>
+          </p:cNvSpPr>
+          <p:nvPr>
+            <p:ph type="title"/>
+          </p:nvPr>
+        </p:nvSpPr>
+        <p:spPr/>
+        <p:txBody>
+          <a:bodyPr/>
+          <a:lstStyle/>
+          <a:p>
+            <a:r>
+              <a:rPr lang="en-US" dirty="0" smtClean="0"/>
+              <a:t>Footprints</a:t>
+            </a:r>
+            <a:endParaRPr lang="en-US" dirty="0"/>
+          </a:p>
+        </p:txBody>
+      </p:sp>
+      <p:sp>
+        <p:nvSpPr>
+          <p:cNvPr id="3" name="Content Placeholder 2"/>
+          <p:cNvSpPr>
+            <a:spLocks noGrp="1"/>
+          </p:cNvSpPr>
+          <p:nvPr>
+            <p:ph idx="1"/>
+          </p:nvPr>
+        </p:nvSpPr>
+        <p:spPr/>
+        <p:txBody>
+          <a:bodyPr>
+            <a:normAutofit fontScale="92500" lnSpcReduction="10000"/>
+          </a:bodyPr>
+          <a:lstStyle/>
+          <a:p>
+            <a:r>
+              <a:rPr lang="en-US" dirty="0" smtClean="0"/>
+              <a:t>System can be shutdown for forensics, network may not!</a:t>
+            </a:r>
+          </a:p>
+          <a:p>
+            <a:r>
+              <a:rPr lang="en-US" dirty="0" smtClean="0"/>
+              <a:t>Forensics should be done with minimum possible footprints.</a:t>
+            </a:r>
+          </a:p>
+          <a:p>
+            <a:r>
+              <a:rPr lang="en-US" dirty="0" smtClean="0"/>
+              <a:t>You will always leave a footprint. IP, MAC, Logs, Raw data which might overwrite original required data.</a:t>
+            </a:r>
+          </a:p>
+          <a:p>
+            <a:r>
+              <a:rPr lang="en-US" dirty="0" smtClean="0"/>
+              <a:t>Just as you can modify a real crime scene by just walking through, similarly investigator with a live system can.</a:t>
+            </a:r>
+          </a:p>
+          <a:p>
+            <a:r>
+              <a:rPr lang="en-US" dirty="0"/>
+              <a:t>Even sniffing traffic using port monitoring or tapping a cable has a impact on environment.</a:t>
+            </a:r>
+          </a:p>
+          <a:p>
+            <a:endParaRPr lang="en-US" dirty="0" smtClean="0"/>
+          </a:p>
+          <a:p>
+            <a:endParaRPr lang="en-US" dirty="0"/>
+          </a:p>
+        </p:txBody>
+      </p:sp>
+    </p:spTree>
+    <p:extLst>
+      <p:ext uri="{BB962C8B-B14F-4D97-AF65-F5344CB8AC3E}">
+        <p14:creationId xmlns:p14="http://schemas.microsoft.com/office/powerpoint/2010/main" val="2454627471"/>
+      </p:ext>
+    </p:extLst>
+  </p:cSld>
+  <p:clrMapOvr>
+    <a:masterClrMapping/>
+  </p:clrMapOvr>
+</p:sld>
+</file>
+
+<file path=ppt/slides/slide11.xml><?xml version="1.0" encoding="utf-8"?>
+<p:sld xmlns:a="http://schemas.openxmlformats.org/drawingml/2006/main" xmlns:r="http://schemas.openxmlformats.org/officeDocument/2006/relationships" xmlns:p="http://schemas.openxmlformats.org/presentationml/2006/main">
+  <p:cSld>
+    <p:spTree>
+      <p:nvGrpSpPr>
+        <p:cNvPr id="1" name=""/>
+        <p:cNvGrpSpPr/>
+        <p:nvPr/>
+      </p:nvGrpSpPr>
+      <p:grpSpPr>
+        <a:xfrm>
+          <a:off x="0" y="0"/>
+          <a:ext cx="0" cy="0"/>
+          <a:chOff x="0" y="0"/>
+          <a:chExt cx="0" cy="0"/>
+        </a:xfrm>
+      </p:grpSpPr>
+      <p:sp>
+        <p:nvSpPr>
+          <p:cNvPr id="2" name="Title 1"/>
+          <p:cNvSpPr>
+            <a:spLocks noGrp="1"/>
+          </p:cNvSpPr>
+          <p:nvPr>
+            <p:ph type="title"/>
+          </p:nvPr>
+        </p:nvSpPr>
+        <p:spPr/>
+        <p:txBody>
+          <a:bodyPr/>
+          <a:lstStyle/>
+          <a:p>
+            <a:r>
+              <a:rPr lang="en-US" dirty="0" smtClean="0"/>
+              <a:t>Concepts in digital Evidence</a:t>
+            </a:r>
+            <a:endParaRPr lang="en-US" dirty="0"/>
+          </a:p>
+        </p:txBody>
+      </p:sp>
+      <p:sp>
+        <p:nvSpPr>
+          <p:cNvPr id="3" name="Content Placeholder 2"/>
+          <p:cNvSpPr>
+            <a:spLocks noGrp="1"/>
+          </p:cNvSpPr>
+          <p:nvPr>
+            <p:ph idx="1"/>
+          </p:nvPr>
+        </p:nvSpPr>
+        <p:spPr/>
+        <p:txBody>
+          <a:bodyPr>
+            <a:normAutofit fontScale="77500" lnSpcReduction="20000"/>
+          </a:bodyPr>
+          <a:lstStyle/>
+          <a:p>
+            <a:r>
+              <a:rPr lang="en-US" dirty="0" smtClean="0"/>
+              <a:t>What is evidence?</a:t>
+            </a:r>
+          </a:p>
+          <a:p>
+            <a:pPr lvl="1"/>
+            <a:r>
+              <a:rPr lang="en-US" dirty="0" smtClean="0"/>
+              <a:t>information </a:t>
+            </a:r>
+            <a:r>
+              <a:rPr lang="en-US" dirty="0"/>
+              <a:t>or signs indicating whether a belief or proposition is true or </a:t>
+            </a:r>
+            <a:r>
+              <a:rPr lang="en-US" dirty="0" smtClean="0"/>
+              <a:t>valid.</a:t>
+            </a:r>
+          </a:p>
+          <a:p>
+            <a:pPr lvl="1"/>
+            <a:r>
+              <a:rPr lang="en-US" dirty="0" smtClean="0"/>
+              <a:t>information </a:t>
+            </a:r>
+            <a:r>
+              <a:rPr lang="en-US" dirty="0"/>
+              <a:t>used to establish facts in a legal investigation or admissible as testimony in a law court</a:t>
+            </a:r>
+            <a:r>
+              <a:rPr lang="en-US" dirty="0" smtClean="0"/>
+              <a:t>.</a:t>
+            </a:r>
+          </a:p>
+          <a:p>
+            <a:r>
+              <a:rPr lang="en-US" dirty="0" smtClean="0"/>
+              <a:t>Types of evidence:</a:t>
+            </a:r>
+          </a:p>
+          <a:p>
+            <a:pPr lvl="1"/>
+            <a:r>
+              <a:rPr lang="en-US" dirty="0" smtClean="0"/>
+              <a:t>Real</a:t>
+            </a:r>
+          </a:p>
+          <a:p>
+            <a:pPr lvl="1"/>
+            <a:r>
+              <a:rPr lang="en-US" dirty="0" smtClean="0"/>
+              <a:t>Best</a:t>
+            </a:r>
+          </a:p>
+          <a:p>
+            <a:pPr lvl="1"/>
+            <a:r>
+              <a:rPr lang="en-US" dirty="0" smtClean="0"/>
+              <a:t>Direct</a:t>
+            </a:r>
+          </a:p>
+          <a:p>
+            <a:pPr lvl="1"/>
+            <a:r>
+              <a:rPr lang="en-US" dirty="0" smtClean="0"/>
+              <a:t>Circumstantial</a:t>
+            </a:r>
+          </a:p>
+          <a:p>
+            <a:pPr lvl="1"/>
+            <a:r>
+              <a:rPr lang="en-US" dirty="0" smtClean="0"/>
+              <a:t>Hearsay</a:t>
+            </a:r>
+          </a:p>
+          <a:p>
+            <a:pPr lvl="1"/>
+            <a:r>
+              <a:rPr lang="en-US" dirty="0" smtClean="0"/>
+              <a:t>Business Records</a:t>
+            </a:r>
+          </a:p>
+          <a:p>
+            <a:pPr lvl="1"/>
+            <a:r>
+              <a:rPr lang="en-US" dirty="0" smtClean="0"/>
+              <a:t>Digital</a:t>
+            </a:r>
+          </a:p>
+          <a:p>
+            <a:pPr lvl="1"/>
+            <a:r>
+              <a:rPr lang="en-US" dirty="0" smtClean="0"/>
+              <a:t>Network-Based Digital</a:t>
+            </a:r>
+            <a:endParaRPr lang="en-US" dirty="0"/>
+          </a:p>
+        </p:txBody>
+      </p:sp>
+    </p:spTree>
+    <p:extLst>
+      <p:ext uri="{BB962C8B-B14F-4D97-AF65-F5344CB8AC3E}">
+        <p14:creationId xmlns:p14="http://schemas.microsoft.com/office/powerpoint/2010/main" val="1794178209"/>
+      </p:ext>
+    </p:extLst>
+  </p:cSld>
+  <p:clrMapOvr>
+    <a:masterClrMapping/>
+  </p:clrMapOvr>
+</p:sld>
+</file>
+
+<file path=ppt/slides/slide12.xml><?xml version="1.0" encoding="utf-8"?>
+<p:sld xmlns:a="http://schemas.openxmlformats.org/drawingml/2006/main" xmlns:r="http://schemas.openxmlformats.org/officeDocument/2006/relationships" xmlns:p="http://schemas.openxmlformats.org/presentationml/2006/main">
+  <p:cSld>
+    <p:spTree>
+      <p:nvGrpSpPr>
+        <p:cNvPr id="1" name=""/>
+        <p:cNvGrpSpPr/>
+        <p:nvPr/>
+      </p:nvGrpSpPr>
+      <p:grpSpPr>
+        <a:xfrm>
+          <a:off x="0" y="0"/>
+          <a:ext cx="0" cy="0"/>
+          <a:chOff x="0" y="0"/>
+          <a:chExt cx="0" cy="0"/>
+        </a:xfrm>
+      </p:grpSpPr>
+      <p:sp>
+        <p:nvSpPr>
+          <p:cNvPr id="2" name="Title 1"/>
+          <p:cNvSpPr>
+            <a:spLocks noGrp="1"/>
+          </p:cNvSpPr>
+          <p:nvPr>
+            <p:ph type="title"/>
+          </p:nvPr>
+        </p:nvSpPr>
+        <p:spPr/>
+        <p:txBody>
+          <a:bodyPr/>
+          <a:lstStyle/>
+          <a:p>
+            <a:r>
+              <a:rPr lang="en-US" dirty="0" smtClean="0"/>
+              <a:t>Real Evidence</a:t>
+            </a:r>
+            <a:endParaRPr lang="en-US" dirty="0"/>
+          </a:p>
+        </p:txBody>
+      </p:sp>
+      <p:sp>
+        <p:nvSpPr>
+          <p:cNvPr id="3" name="Content Placeholder 2"/>
+          <p:cNvSpPr>
+            <a:spLocks noGrp="1"/>
+          </p:cNvSpPr>
+          <p:nvPr>
+            <p:ph idx="1"/>
+          </p:nvPr>
+        </p:nvSpPr>
+        <p:spPr/>
+        <p:txBody>
+          <a:bodyPr>
+            <a:normAutofit/>
+          </a:bodyPr>
+          <a:lstStyle/>
+          <a:p>
+            <a:r>
+              <a:rPr lang="en-US" dirty="0"/>
+              <a:t>“Real evidence” is roughly deﬁned as any physical, tangible </a:t>
+            </a:r>
+            <a:r>
+              <a:rPr lang="en-US" dirty="0" smtClean="0"/>
+              <a:t>object that </a:t>
+            </a:r>
+            <a:r>
+              <a:rPr lang="en-US" dirty="0"/>
+              <a:t>played a relevant role in an event that is being adjudicated</a:t>
+            </a:r>
+            <a:r>
+              <a:rPr lang="en-US" dirty="0" smtClean="0"/>
+              <a:t>.</a:t>
+            </a:r>
+          </a:p>
+          <a:p>
+            <a:r>
+              <a:rPr lang="en-US" dirty="0" smtClean="0"/>
+              <a:t>Example:</a:t>
+            </a:r>
+          </a:p>
+          <a:p>
+            <a:pPr lvl="1"/>
+            <a:r>
+              <a:rPr lang="en-US" dirty="0"/>
+              <a:t>The murder </a:t>
+            </a:r>
+            <a:r>
+              <a:rPr lang="en-US" dirty="0" smtClean="0"/>
+              <a:t>weapon</a:t>
+            </a:r>
+            <a:endParaRPr lang="en-US" dirty="0"/>
+          </a:p>
+          <a:p>
+            <a:pPr lvl="1"/>
+            <a:r>
+              <a:rPr lang="en-US" dirty="0" smtClean="0"/>
+              <a:t>The </a:t>
+            </a:r>
+            <a:r>
+              <a:rPr lang="en-US" dirty="0"/>
+              <a:t>ﬁngerprint or </a:t>
+            </a:r>
+            <a:r>
+              <a:rPr lang="en-US" dirty="0" smtClean="0"/>
+              <a:t>footprint</a:t>
+            </a:r>
+            <a:endParaRPr lang="en-US" dirty="0"/>
+          </a:p>
+          <a:p>
+            <a:pPr lvl="1"/>
+            <a:r>
+              <a:rPr lang="en-US" dirty="0" smtClean="0"/>
+              <a:t>The </a:t>
+            </a:r>
+            <a:r>
+              <a:rPr lang="en-US" dirty="0"/>
+              <a:t>signed paper </a:t>
+            </a:r>
+            <a:r>
+              <a:rPr lang="en-US" dirty="0" smtClean="0"/>
+              <a:t>contract</a:t>
+            </a:r>
+            <a:endParaRPr lang="en-US" dirty="0"/>
+          </a:p>
+          <a:p>
+            <a:pPr lvl="1"/>
+            <a:r>
+              <a:rPr lang="en-US" dirty="0" smtClean="0"/>
+              <a:t>The </a:t>
+            </a:r>
+            <a:r>
+              <a:rPr lang="en-US" dirty="0"/>
+              <a:t>physical hard drive or USB </a:t>
+            </a:r>
+            <a:r>
+              <a:rPr lang="en-US" dirty="0" smtClean="0"/>
+              <a:t>device</a:t>
+            </a:r>
+            <a:endParaRPr lang="en-US" dirty="0"/>
+          </a:p>
+          <a:p>
+            <a:pPr lvl="1"/>
+            <a:r>
+              <a:rPr lang="en-US" dirty="0" smtClean="0"/>
+              <a:t>The </a:t>
+            </a:r>
+            <a:r>
+              <a:rPr lang="en-US" dirty="0"/>
+              <a:t>computer itself—chassis, keyboard, and all </a:t>
+            </a:r>
+          </a:p>
+        </p:txBody>
+      </p:sp>
+    </p:spTree>
+    <p:extLst>
+      <p:ext uri="{BB962C8B-B14F-4D97-AF65-F5344CB8AC3E}">
+        <p14:creationId xmlns:p14="http://schemas.microsoft.com/office/powerpoint/2010/main" val="1376951100"/>
+      </p:ext>
+    </p:extLst>
+  </p:cSld>
+  <p:clrMapOvr>
+    <a:masterClrMapping/>
+  </p:clrMapOvr>
+</p:sld>
+</file>
+
+<file path=ppt/slides/slide13.xml><?xml version="1.0" encoding="utf-8"?>
+<p:sld xmlns:a="http://schemas.openxmlformats.org/drawingml/2006/main" xmlns:r="http://schemas.openxmlformats.org/officeDocument/2006/relationships" xmlns:p="http://schemas.openxmlformats.org/presentationml/2006/main">
+  <p:cSld>
+    <p:spTree>
+      <p:nvGrpSpPr>
+        <p:cNvPr id="1" name=""/>
+        <p:cNvGrpSpPr/>
+        <p:nvPr/>
+      </p:nvGrpSpPr>
+      <p:grpSpPr>
+        <a:xfrm>
+          <a:off x="0" y="0"/>
+          <a:ext cx="0" cy="0"/>
+          <a:chOff x="0" y="0"/>
+          <a:chExt cx="0" cy="0"/>
+        </a:xfrm>
+      </p:grpSpPr>
+      <p:sp>
+        <p:nvSpPr>
+          <p:cNvPr id="2" name="Title 1"/>
+          <p:cNvSpPr>
+            <a:spLocks noGrp="1"/>
+          </p:cNvSpPr>
+          <p:nvPr>
+            <p:ph type="title"/>
+          </p:nvPr>
+        </p:nvSpPr>
+        <p:spPr/>
+        <p:txBody>
+          <a:bodyPr/>
+          <a:lstStyle/>
+          <a:p>
+            <a:r>
+              <a:rPr lang="en-US" dirty="0" smtClean="0"/>
+              <a:t>Best Evidence</a:t>
+            </a:r>
+            <a:endParaRPr lang="en-US" dirty="0"/>
+          </a:p>
+        </p:txBody>
+      </p:sp>
+      <p:sp>
+        <p:nvSpPr>
+          <p:cNvPr id="3" name="Content Placeholder 2"/>
+          <p:cNvSpPr>
+            <a:spLocks noGrp="1"/>
+          </p:cNvSpPr>
+          <p:nvPr>
+            <p:ph idx="1"/>
+          </p:nvPr>
+        </p:nvSpPr>
+        <p:spPr/>
+        <p:txBody>
+          <a:bodyPr>
+            <a:normAutofit fontScale="92500" lnSpcReduction="10000"/>
+          </a:bodyPr>
+          <a:lstStyle/>
+          <a:p>
+            <a:r>
+              <a:rPr lang="en-US" dirty="0"/>
+              <a:t>“Best evidence” is roughly deﬁned as the best evidence that can be produced in court. </a:t>
+            </a:r>
+            <a:r>
+              <a:rPr lang="en-US" dirty="0" smtClean="0"/>
+              <a:t>The FRE </a:t>
+            </a:r>
+            <a:r>
+              <a:rPr lang="en-US" dirty="0"/>
+              <a:t>states, “To prove the content of a writing, recording, or photograph, the original </a:t>
+            </a:r>
+            <a:r>
+              <a:rPr lang="en-US" dirty="0" smtClean="0"/>
+              <a:t>writing</a:t>
+            </a:r>
+            <a:r>
+              <a:rPr lang="en-US" dirty="0"/>
+              <a:t>, recording, or photograph is required, except as otherwise provided in these rules or </a:t>
+            </a:r>
+            <a:r>
+              <a:rPr lang="en-US" dirty="0" smtClean="0"/>
+              <a:t>by Act </a:t>
+            </a:r>
+            <a:r>
+              <a:rPr lang="en-US" dirty="0"/>
+              <a:t>of Congress</a:t>
+            </a:r>
+            <a:r>
+              <a:rPr lang="en-US" dirty="0" smtClean="0"/>
+              <a:t>”.</a:t>
+            </a:r>
+          </a:p>
+          <a:p>
+            <a:r>
+              <a:rPr lang="en-US" dirty="0"/>
+              <a:t> A photo of the crime </a:t>
+            </a:r>
+            <a:r>
+              <a:rPr lang="en-US" dirty="0" smtClean="0"/>
+              <a:t>scene</a:t>
+            </a:r>
+            <a:endParaRPr lang="en-US" dirty="0"/>
+          </a:p>
+          <a:p>
+            <a:r>
+              <a:rPr lang="en-US" dirty="0" smtClean="0"/>
+              <a:t>A </a:t>
+            </a:r>
+            <a:r>
+              <a:rPr lang="en-US" dirty="0"/>
+              <a:t>copy of the signed </a:t>
+            </a:r>
+            <a:r>
+              <a:rPr lang="en-US" dirty="0" smtClean="0"/>
+              <a:t>contract</a:t>
+            </a:r>
+            <a:endParaRPr lang="en-US" dirty="0"/>
+          </a:p>
+          <a:p>
+            <a:r>
+              <a:rPr lang="en-US" dirty="0" smtClean="0"/>
+              <a:t>A </a:t>
+            </a:r>
+            <a:r>
+              <a:rPr lang="en-US" dirty="0"/>
+              <a:t>ﬁle recovered from the hard </a:t>
+            </a:r>
+            <a:r>
+              <a:rPr lang="en-US" dirty="0" smtClean="0"/>
+              <a:t>drive</a:t>
+            </a:r>
+            <a:endParaRPr lang="en-US" dirty="0"/>
+          </a:p>
+          <a:p>
+            <a:r>
+              <a:rPr lang="en-US" dirty="0" smtClean="0"/>
+              <a:t>A </a:t>
+            </a:r>
+            <a:r>
+              <a:rPr lang="en-US" dirty="0"/>
+              <a:t>bit-for-bit snapshot of a network transaction</a:t>
+            </a:r>
+          </a:p>
+        </p:txBody>
+      </p:sp>
+    </p:spTree>
+    <p:extLst>
+      <p:ext uri="{BB962C8B-B14F-4D97-AF65-F5344CB8AC3E}">
+        <p14:creationId xmlns:p14="http://schemas.microsoft.com/office/powerpoint/2010/main" val="970259326"/>
+      </p:ext>
+    </p:extLst>
+  </p:cSld>
+  <p:clrMapOvr>
+    <a:masterClrMapping/>
+  </p:clrMapOvr>
+</p:sld>
+</file>
+
+<file path=ppt/slides/slide14.xml><?xml version="1.0" encoding="utf-8"?>
+<p:sld xmlns:a="http://schemas.openxmlformats.org/drawingml/2006/main" xmlns:r="http://schemas.openxmlformats.org/officeDocument/2006/relationships" xmlns:p="http://schemas.openxmlformats.org/presentationml/2006/main">
+  <p:cSld>
+    <p:spTree>
+      <p:nvGrpSpPr>
+        <p:cNvPr id="1" name=""/>
+        <p:cNvGrpSpPr/>
+        <p:nvPr/>
+      </p:nvGrpSpPr>
+      <p:grpSpPr>
+        <a:xfrm>
+          <a:off x="0" y="0"/>
+          <a:ext cx="0" cy="0"/>
+          <a:chOff x="0" y="0"/>
+          <a:chExt cx="0" cy="0"/>
+        </a:xfrm>
+      </p:grpSpPr>
+      <p:sp>
+        <p:nvSpPr>
+          <p:cNvPr id="2" name="Title 1"/>
+          <p:cNvSpPr>
+            <a:spLocks noGrp="1"/>
+          </p:cNvSpPr>
+          <p:nvPr>
+            <p:ph type="title"/>
+          </p:nvPr>
+        </p:nvSpPr>
+        <p:spPr/>
+        <p:txBody>
+          <a:bodyPr/>
+          <a:lstStyle/>
+          <a:p>
+            <a:r>
+              <a:rPr lang="en-US" dirty="0" smtClean="0"/>
+              <a:t>Direct Evidence</a:t>
+            </a:r>
+            <a:endParaRPr lang="en-US" dirty="0"/>
+          </a:p>
+        </p:txBody>
+      </p:sp>
+      <p:sp>
+        <p:nvSpPr>
+          <p:cNvPr id="3" name="Content Placeholder 2"/>
+          <p:cNvSpPr>
+            <a:spLocks noGrp="1"/>
+          </p:cNvSpPr>
+          <p:nvPr>
+            <p:ph idx="1"/>
+          </p:nvPr>
+        </p:nvSpPr>
+        <p:spPr/>
+        <p:txBody>
+          <a:bodyPr>
+            <a:normAutofit fontScale="92500" lnSpcReduction="10000"/>
+          </a:bodyPr>
+          <a:lstStyle/>
+          <a:p>
+            <a:r>
+              <a:rPr lang="en-US" dirty="0"/>
+              <a:t>“Direct evidence” is the testimony oﬀered by a direct witness of the act or acts in </a:t>
+            </a:r>
+            <a:r>
+              <a:rPr lang="en-US" dirty="0" smtClean="0"/>
+              <a:t>question. There </a:t>
+            </a:r>
+            <a:r>
+              <a:rPr lang="en-US" dirty="0"/>
+              <a:t>are lots of ways that events can be observed, captured, and recorded in the real world</a:t>
+            </a:r>
+            <a:r>
+              <a:rPr lang="en-US" dirty="0" smtClean="0"/>
+              <a:t>, and </a:t>
+            </a:r>
+            <a:r>
+              <a:rPr lang="en-US" dirty="0"/>
+              <a:t>our court systems try to accommodate most of these when there is relevant </a:t>
+            </a:r>
+            <a:r>
+              <a:rPr lang="en-US" dirty="0" smtClean="0"/>
+              <a:t>evidence in </a:t>
+            </a:r>
+            <a:r>
+              <a:rPr lang="en-US" dirty="0"/>
+              <a:t>question</a:t>
+            </a:r>
+            <a:r>
+              <a:rPr lang="en-US" dirty="0" smtClean="0"/>
+              <a:t>.</a:t>
+            </a:r>
+          </a:p>
+          <a:p>
+            <a:r>
+              <a:rPr lang="en-US" dirty="0" smtClean="0"/>
+              <a:t> Examples:</a:t>
+            </a:r>
+          </a:p>
+          <a:p>
+            <a:pPr lvl="1"/>
+            <a:r>
+              <a:rPr lang="en-US" dirty="0"/>
+              <a:t>“I saw him stab that guy.</a:t>
+            </a:r>
+            <a:r>
+              <a:rPr lang="en-US" dirty="0" smtClean="0"/>
+              <a:t>”</a:t>
+            </a:r>
+          </a:p>
+          <a:p>
+            <a:pPr lvl="1"/>
+            <a:r>
+              <a:rPr lang="en-US" dirty="0" smtClean="0"/>
+              <a:t>“</a:t>
+            </a:r>
+            <a:r>
+              <a:rPr lang="en-US" dirty="0"/>
+              <a:t>She showed me an inappropriate video.</a:t>
+            </a:r>
+            <a:r>
+              <a:rPr lang="en-US" dirty="0" smtClean="0"/>
+              <a:t>”</a:t>
+            </a:r>
+            <a:endParaRPr lang="en-US" dirty="0"/>
+          </a:p>
+          <a:p>
+            <a:pPr lvl="1"/>
+            <a:r>
+              <a:rPr lang="en-US" dirty="0" smtClean="0"/>
+              <a:t>“</a:t>
+            </a:r>
+            <a:r>
+              <a:rPr lang="en-US" dirty="0"/>
+              <a:t>I watched him crack passwords using John the Ripper and a password ﬁle he </a:t>
+            </a:r>
+            <a:r>
+              <a:rPr lang="en-US" dirty="0" smtClean="0"/>
+              <a:t>shouldn’t have</a:t>
+            </a:r>
+            <a:r>
+              <a:rPr lang="en-US" dirty="0"/>
+              <a:t>.</a:t>
+            </a:r>
+            <a:r>
+              <a:rPr lang="en-US" dirty="0" smtClean="0"/>
+              <a:t>”</a:t>
+            </a:r>
+            <a:endParaRPr lang="en-US" dirty="0"/>
+          </a:p>
+          <a:p>
+            <a:pPr lvl="1"/>
+            <a:r>
+              <a:rPr lang="en-US" dirty="0" smtClean="0"/>
+              <a:t>“</a:t>
+            </a:r>
+            <a:r>
+              <a:rPr lang="en-US" dirty="0"/>
+              <a:t>I saw him with that USB device.</a:t>
+            </a:r>
+          </a:p>
+        </p:txBody>
+      </p:sp>
+    </p:spTree>
+    <p:extLst>
+      <p:ext uri="{BB962C8B-B14F-4D97-AF65-F5344CB8AC3E}">
+        <p14:creationId xmlns:p14="http://schemas.microsoft.com/office/powerpoint/2010/main" val="3396466019"/>
+      </p:ext>
+    </p:extLst>
+  </p:cSld>
+  <p:clrMapOvr>
+    <a:masterClrMapping/>
+  </p:clrMapOvr>
+</p:sld>
+</file>
+
+<file path=ppt/slides/slide15.xml><?xml version="1.0" encoding="utf-8"?>
+<p:sld xmlns:a="http://schemas.openxmlformats.org/drawingml/2006/main" xmlns:r="http://schemas.openxmlformats.org/officeDocument/2006/relationships" xmlns:p="http://schemas.openxmlformats.org/presentationml/2006/main">
+  <p:cSld>
+    <p:spTree>
+      <p:nvGrpSpPr>
+        <p:cNvPr id="1" name=""/>
+        <p:cNvGrpSpPr/>
+        <p:nvPr/>
+      </p:nvGrpSpPr>
+      <p:grpSpPr>
+        <a:xfrm>
+          <a:off x="0" y="0"/>
+          <a:ext cx="0" cy="0"/>
+          <a:chOff x="0" y="0"/>
+          <a:chExt cx="0" cy="0"/>
+        </a:xfrm>
+      </p:grpSpPr>
+      <p:sp>
+        <p:nvSpPr>
+          <p:cNvPr id="2" name="Title 1"/>
+          <p:cNvSpPr>
+            <a:spLocks noGrp="1"/>
+          </p:cNvSpPr>
+          <p:nvPr>
+            <p:ph type="title"/>
+          </p:nvPr>
+        </p:nvSpPr>
+        <p:spPr/>
+        <p:txBody>
+          <a:bodyPr/>
+          <a:lstStyle/>
+          <a:p>
+            <a:r>
+              <a:rPr lang="en-US" dirty="0" smtClean="0"/>
+              <a:t>Circumstantial Evidence</a:t>
+            </a:r>
+            <a:endParaRPr lang="en-US" dirty="0"/>
+          </a:p>
+        </p:txBody>
+      </p:sp>
+      <p:sp>
+        <p:nvSpPr>
+          <p:cNvPr id="3" name="Content Placeholder 2"/>
+          <p:cNvSpPr>
+            <a:spLocks noGrp="1"/>
+          </p:cNvSpPr>
+          <p:nvPr>
+            <p:ph idx="1"/>
+          </p:nvPr>
+        </p:nvSpPr>
+        <p:spPr/>
+        <p:txBody>
+          <a:bodyPr>
+            <a:normAutofit fontScale="92500" lnSpcReduction="10000"/>
+          </a:bodyPr>
+          <a:lstStyle/>
+          <a:p>
+            <a:r>
+              <a:rPr lang="en-US" dirty="0" smtClean="0"/>
+              <a:t>Opposite of </a:t>
+            </a:r>
+            <a:r>
+              <a:rPr lang="en-US" dirty="0"/>
+              <a:t>Direct Evidence. </a:t>
+            </a:r>
+            <a:r>
+              <a:rPr lang="en-US" dirty="0" smtClean="0"/>
+              <a:t>Circumstantial </a:t>
+            </a:r>
+            <a:r>
+              <a:rPr lang="en-US" dirty="0"/>
+              <a:t>evidence may be linked together </a:t>
+            </a:r>
+            <a:r>
+              <a:rPr lang="en-US" dirty="0" smtClean="0"/>
+              <a:t>with other </a:t>
+            </a:r>
+            <a:r>
+              <a:rPr lang="en-US" dirty="0"/>
+              <a:t>evidence and used to deduce a conclusion.</a:t>
+            </a:r>
+            <a:endParaRPr lang="en-US" dirty="0" smtClean="0"/>
+          </a:p>
+          <a:p>
+            <a:r>
+              <a:rPr lang="en-US" dirty="0"/>
+              <a:t>Circumstantial evidence is important for cases involving network forensics because it </a:t>
+            </a:r>
+            <a:r>
+              <a:rPr lang="en-US" dirty="0" smtClean="0"/>
+              <a:t>is “the </a:t>
+            </a:r>
+            <a:r>
+              <a:rPr lang="en-US" dirty="0"/>
+              <a:t>primary mechanism used to link electronic evidence and its creator.</a:t>
+            </a:r>
+            <a:r>
+              <a:rPr lang="en-US" dirty="0" smtClean="0"/>
+              <a:t>”</a:t>
+            </a:r>
+          </a:p>
+          <a:p>
+            <a:r>
+              <a:rPr lang="en-US" dirty="0" smtClean="0"/>
+              <a:t>Examples:</a:t>
+            </a:r>
+          </a:p>
+          <a:p>
+            <a:pPr lvl="1"/>
+            <a:r>
+              <a:rPr lang="en-US" dirty="0" smtClean="0"/>
+              <a:t>An </a:t>
+            </a:r>
+            <a:r>
+              <a:rPr lang="en-US" dirty="0"/>
+              <a:t>email </a:t>
+            </a:r>
+            <a:r>
+              <a:rPr lang="en-US" dirty="0" smtClean="0"/>
+              <a:t>signature</a:t>
+            </a:r>
+            <a:endParaRPr lang="en-US" dirty="0"/>
+          </a:p>
+          <a:p>
+            <a:pPr lvl="1"/>
+            <a:r>
+              <a:rPr lang="en-US" dirty="0" smtClean="0"/>
+              <a:t>A </a:t>
+            </a:r>
+            <a:r>
+              <a:rPr lang="en-US" dirty="0"/>
+              <a:t>ﬁle containing password hashes on the defendant’s </a:t>
+            </a:r>
+            <a:r>
+              <a:rPr lang="en-US" dirty="0" smtClean="0"/>
+              <a:t>computer</a:t>
+            </a:r>
+            <a:endParaRPr lang="en-US" dirty="0"/>
+          </a:p>
+          <a:p>
+            <a:pPr lvl="1"/>
+            <a:r>
+              <a:rPr lang="en-US" dirty="0" smtClean="0"/>
+              <a:t>The </a:t>
+            </a:r>
+            <a:r>
+              <a:rPr lang="en-US" dirty="0"/>
+              <a:t>serial number of the USB device</a:t>
+            </a:r>
+          </a:p>
+        </p:txBody>
+      </p:sp>
+    </p:spTree>
+    <p:extLst>
+      <p:ext uri="{BB962C8B-B14F-4D97-AF65-F5344CB8AC3E}">
+        <p14:creationId xmlns:p14="http://schemas.microsoft.com/office/powerpoint/2010/main" val="2043228612"/>
+      </p:ext>
+    </p:extLst>
+  </p:cSld>
+  <p:clrMapOvr>
+    <a:masterClrMapping/>
+  </p:clrMapOvr>
+</p:sld>
+</file>
+
+<file path=ppt/slides/slide16.xml><?xml version="1.0" encoding="utf-8"?>
+<p:sld xmlns:a="http://schemas.openxmlformats.org/drawingml/2006/main" xmlns:r="http://schemas.openxmlformats.org/officeDocument/2006/relationships" xmlns:p="http://schemas.openxmlformats.org/presentationml/2006/main">
+  <p:cSld>
+    <p:spTree>
+      <p:nvGrpSpPr>
+        <p:cNvPr id="1" name=""/>
+        <p:cNvGrpSpPr/>
+        <p:nvPr/>
+      </p:nvGrpSpPr>
+      <p:grpSpPr>
+        <a:xfrm>
+          <a:off x="0" y="0"/>
+          <a:ext cx="0" cy="0"/>
+          <a:chOff x="0" y="0"/>
+          <a:chExt cx="0" cy="0"/>
+        </a:xfrm>
+      </p:grpSpPr>
+      <p:sp>
+        <p:nvSpPr>
+          <p:cNvPr id="2" name="Title 1"/>
+          <p:cNvSpPr>
+            <a:spLocks noGrp="1"/>
+          </p:cNvSpPr>
+          <p:nvPr>
+            <p:ph type="title"/>
+          </p:nvPr>
+        </p:nvSpPr>
+        <p:spPr/>
+        <p:txBody>
+          <a:bodyPr/>
+          <a:lstStyle/>
+          <a:p>
+            <a:r>
+              <a:rPr lang="en-US" dirty="0" smtClean="0"/>
+              <a:t>Hearsay</a:t>
+            </a:r>
+            <a:endParaRPr lang="en-US" dirty="0"/>
+          </a:p>
+        </p:txBody>
+      </p:sp>
+      <p:sp>
+        <p:nvSpPr>
+          <p:cNvPr id="3" name="Content Placeholder 2"/>
+          <p:cNvSpPr>
+            <a:spLocks noGrp="1"/>
+          </p:cNvSpPr>
+          <p:nvPr>
+            <p:ph idx="1"/>
+          </p:nvPr>
+        </p:nvSpPr>
+        <p:spPr/>
+        <p:txBody>
+          <a:bodyPr>
+            <a:normAutofit/>
+          </a:bodyPr>
+          <a:lstStyle/>
+          <a:p>
+            <a:r>
+              <a:rPr lang="en-US" dirty="0"/>
+              <a:t>“Hearsay” is the label given to testimony oﬀered second-hand by someone who was </a:t>
+            </a:r>
+            <a:r>
+              <a:rPr lang="en-US" dirty="0" smtClean="0"/>
+              <a:t>not a </a:t>
+            </a:r>
+            <a:r>
+              <a:rPr lang="en-US" dirty="0"/>
+              <a:t>direct witness of the act or acts in question</a:t>
+            </a:r>
+            <a:r>
+              <a:rPr lang="en-US" dirty="0" smtClean="0"/>
+              <a:t>.</a:t>
+            </a:r>
+          </a:p>
+          <a:p>
+            <a:r>
+              <a:rPr lang="en-US" dirty="0" smtClean="0"/>
+              <a:t>Examples:</a:t>
+            </a:r>
+          </a:p>
+          <a:p>
+            <a:pPr lvl="1"/>
+            <a:r>
+              <a:rPr lang="en-US" dirty="0" smtClean="0"/>
+              <a:t>“</a:t>
+            </a:r>
+            <a:r>
+              <a:rPr lang="en-US" dirty="0"/>
+              <a:t>The guy told me he did it.</a:t>
+            </a:r>
+            <a:r>
+              <a:rPr lang="en-US" dirty="0" smtClean="0"/>
+              <a:t>”</a:t>
+            </a:r>
+          </a:p>
+          <a:p>
+            <a:pPr lvl="1"/>
+            <a:r>
+              <a:rPr lang="en-US" dirty="0" smtClean="0"/>
+              <a:t>“</a:t>
+            </a:r>
+            <a:r>
+              <a:rPr lang="en-US" dirty="0"/>
+              <a:t>He said he knew who did it, and could testify.</a:t>
+            </a:r>
+            <a:r>
+              <a:rPr lang="en-US" dirty="0" smtClean="0"/>
+              <a:t>”</a:t>
+            </a:r>
+            <a:endParaRPr lang="en-US" dirty="0"/>
+          </a:p>
+          <a:p>
+            <a:pPr lvl="1"/>
+            <a:r>
+              <a:rPr lang="en-US" dirty="0" smtClean="0"/>
+              <a:t>“</a:t>
+            </a:r>
+            <a:r>
+              <a:rPr lang="en-US" dirty="0"/>
+              <a:t>I saw a recording of the whole thing go down.</a:t>
+            </a:r>
+            <a:r>
+              <a:rPr lang="en-US" dirty="0" smtClean="0"/>
+              <a:t>”</a:t>
+            </a:r>
+            <a:endParaRPr lang="en-US" dirty="0"/>
+          </a:p>
+          <a:p>
+            <a:pPr lvl="1"/>
+            <a:r>
+              <a:rPr lang="en-US" dirty="0" smtClean="0"/>
+              <a:t>A </a:t>
+            </a:r>
+            <a:r>
+              <a:rPr lang="en-US" dirty="0"/>
+              <a:t>text ﬁle containing a personal letter</a:t>
+            </a:r>
+          </a:p>
+        </p:txBody>
+      </p:sp>
+    </p:spTree>
+    <p:extLst>
+      <p:ext uri="{BB962C8B-B14F-4D97-AF65-F5344CB8AC3E}">
+        <p14:creationId xmlns:p14="http://schemas.microsoft.com/office/powerpoint/2010/main" val="1674794667"/>
+      </p:ext>
+    </p:extLst>
+  </p:cSld>
+  <p:clrMapOvr>
+    <a:masterClrMapping/>
+  </p:clrMapOvr>
+</p:sld>
+</file>
+
+<file path=ppt/slides/slide17.xml><?xml version="1.0" encoding="utf-8"?>
+<p:sld xmlns:a="http://schemas.openxmlformats.org/drawingml/2006/main" xmlns:r="http://schemas.openxmlformats.org/officeDocument/2006/relationships" xmlns:p="http://schemas.openxmlformats.org/presentationml/2006/main">
+  <p:cSld>
+    <p:spTree>
+      <p:nvGrpSpPr>
+        <p:cNvPr id="1" name=""/>
+        <p:cNvGrpSpPr/>
+        <p:nvPr/>
+      </p:nvGrpSpPr>
+      <p:grpSpPr>
+        <a:xfrm>
+          <a:off x="0" y="0"/>
+          <a:ext cx="0" cy="0"/>
+          <a:chOff x="0" y="0"/>
+          <a:chExt cx="0" cy="0"/>
+        </a:xfrm>
+      </p:grpSpPr>
+      <p:sp>
+        <p:nvSpPr>
+          <p:cNvPr id="2" name="Title 1"/>
+          <p:cNvSpPr>
+            <a:spLocks noGrp="1"/>
+          </p:cNvSpPr>
+          <p:nvPr>
+            <p:ph type="title"/>
+          </p:nvPr>
+        </p:nvSpPr>
+        <p:spPr/>
+        <p:txBody>
+          <a:bodyPr/>
+          <a:lstStyle/>
+          <a:p>
+            <a:r>
+              <a:rPr lang="en-US" dirty="0" smtClean="0"/>
+              <a:t>Business Records</a:t>
+            </a:r>
+            <a:endParaRPr lang="en-US" dirty="0"/>
+          </a:p>
+        </p:txBody>
+      </p:sp>
+      <p:sp>
+        <p:nvSpPr>
+          <p:cNvPr id="3" name="Content Placeholder 2"/>
+          <p:cNvSpPr>
+            <a:spLocks noGrp="1"/>
+          </p:cNvSpPr>
+          <p:nvPr>
+            <p:ph idx="1"/>
+          </p:nvPr>
+        </p:nvSpPr>
+        <p:spPr/>
+        <p:txBody>
+          <a:bodyPr/>
+          <a:lstStyle/>
+          <a:p>
+            <a:r>
+              <a:rPr lang="en-US" dirty="0"/>
+              <a:t>Business records can include any documentation that an enterprise routinely generates </a:t>
+            </a:r>
+            <a:r>
+              <a:rPr lang="en-US" dirty="0" smtClean="0"/>
+              <a:t>and retains </a:t>
+            </a:r>
+            <a:r>
+              <a:rPr lang="en-US" dirty="0"/>
+              <a:t>as a result of normal business processes, and that is deemed accurate enough </a:t>
+            </a:r>
+            <a:r>
+              <a:rPr lang="en-US" dirty="0" smtClean="0"/>
+              <a:t>to be </a:t>
+            </a:r>
+            <a:r>
+              <a:rPr lang="en-US" dirty="0"/>
+              <a:t>used as a basis for managerial decisions. </a:t>
+            </a:r>
+            <a:endParaRPr lang="en-US" dirty="0" smtClean="0"/>
+          </a:p>
+          <a:p>
+            <a:r>
+              <a:rPr lang="en-US" dirty="0" smtClean="0"/>
+              <a:t>Examples:</a:t>
+            </a:r>
+          </a:p>
+          <a:p>
+            <a:pPr lvl="1"/>
+            <a:r>
+              <a:rPr lang="en-US" dirty="0"/>
+              <a:t>Contracts and other employment </a:t>
+            </a:r>
+            <a:r>
+              <a:rPr lang="en-US" dirty="0" smtClean="0"/>
+              <a:t>agreements</a:t>
+            </a:r>
+            <a:endParaRPr lang="en-US" dirty="0"/>
+          </a:p>
+          <a:p>
+            <a:pPr lvl="1"/>
+            <a:r>
+              <a:rPr lang="en-US" dirty="0" smtClean="0"/>
+              <a:t>Invoices </a:t>
+            </a:r>
+            <a:r>
+              <a:rPr lang="en-US" dirty="0"/>
+              <a:t>and records of payment </a:t>
+            </a:r>
+            <a:r>
+              <a:rPr lang="en-US" dirty="0" smtClean="0"/>
+              <a:t>received</a:t>
+            </a:r>
+          </a:p>
+          <a:p>
+            <a:pPr lvl="1"/>
+            <a:r>
+              <a:rPr lang="en-US" dirty="0" smtClean="0"/>
+              <a:t>Routinely kept access logs</a:t>
+            </a:r>
+          </a:p>
+          <a:p>
+            <a:pPr lvl="1"/>
+            <a:endParaRPr lang="en-US" dirty="0"/>
+          </a:p>
+        </p:txBody>
+      </p:sp>
+    </p:spTree>
+    <p:extLst>
+      <p:ext uri="{BB962C8B-B14F-4D97-AF65-F5344CB8AC3E}">
+        <p14:creationId xmlns:p14="http://schemas.microsoft.com/office/powerpoint/2010/main" val="645242744"/>
+      </p:ext>
+    </p:extLst>
+  </p:cSld>
+  <p:clrMapOvr>
+    <a:masterClrMapping/>
+  </p:clrMapOvr>
+</p:sld>
+</file>
+
+<file path=ppt/slides/slide18.xml><?xml version="1.0" encoding="utf-8"?>
+<p:sld xmlns:a="http://schemas.openxmlformats.org/drawingml/2006/main" xmlns:r="http://schemas.openxmlformats.org/officeDocument/2006/relationships" xmlns:p="http://schemas.openxmlformats.org/presentationml/2006/main">
+  <p:cSld>
+    <p:spTree>
+      <p:nvGrpSpPr>
+        <p:cNvPr id="1" name=""/>
+        <p:cNvGrpSpPr/>
+        <p:nvPr/>
+      </p:nvGrpSpPr>
+      <p:grpSpPr>
+        <a:xfrm>
+          <a:off x="0" y="0"/>
+          <a:ext cx="0" cy="0"/>
+          <a:chOff x="0" y="0"/>
+          <a:chExt cx="0" cy="0"/>
+        </a:xfrm>
+      </p:grpSpPr>
+      <p:sp>
+        <p:nvSpPr>
+          <p:cNvPr id="2" name="Title 1"/>
+          <p:cNvSpPr>
+            <a:spLocks noGrp="1"/>
+          </p:cNvSpPr>
+          <p:nvPr>
+            <p:ph type="title"/>
+          </p:nvPr>
+        </p:nvSpPr>
+        <p:spPr/>
+        <p:txBody>
+          <a:bodyPr/>
+          <a:lstStyle/>
+          <a:p>
+            <a:r>
+              <a:rPr lang="en-US" dirty="0" smtClean="0"/>
+              <a:t>Digital Evidence</a:t>
+            </a:r>
+            <a:endParaRPr lang="en-US" dirty="0"/>
+          </a:p>
+        </p:txBody>
+      </p:sp>
+      <p:sp>
+        <p:nvSpPr>
+          <p:cNvPr id="3" name="Content Placeholder 2"/>
+          <p:cNvSpPr>
+            <a:spLocks noGrp="1"/>
+          </p:cNvSpPr>
+          <p:nvPr>
+            <p:ph idx="1"/>
+          </p:nvPr>
+        </p:nvSpPr>
+        <p:spPr/>
+        <p:txBody>
+          <a:bodyPr>
+            <a:normAutofit fontScale="92500" lnSpcReduction="20000"/>
+          </a:bodyPr>
+          <a:lstStyle/>
+          <a:p>
+            <a:r>
+              <a:rPr lang="en-US" dirty="0"/>
+              <a:t>“Digital evidence” is any documentation that satisﬁes the requirements of “evidence” in </a:t>
+            </a:r>
+            <a:r>
+              <a:rPr lang="en-US" dirty="0" smtClean="0"/>
+              <a:t>a proceeding</a:t>
+            </a:r>
+            <a:r>
+              <a:rPr lang="en-US" dirty="0"/>
+              <a:t>, but that exists in electronic digital form</a:t>
+            </a:r>
+            <a:r>
+              <a:rPr lang="en-US" dirty="0" smtClean="0"/>
+              <a:t>.</a:t>
+            </a:r>
+          </a:p>
+          <a:p>
+            <a:r>
+              <a:rPr lang="en-US" dirty="0"/>
+              <a:t> Digital evidence may rest in </a:t>
+            </a:r>
+            <a:r>
+              <a:rPr lang="en-US" dirty="0" smtClean="0"/>
+              <a:t>microscopic </a:t>
+            </a:r>
+            <a:r>
+              <a:rPr lang="en-US" dirty="0"/>
+              <a:t>spots on spinning platters, magnetized to greater or lesser degrees in a </a:t>
+            </a:r>
+            <a:r>
+              <a:rPr lang="en-US" dirty="0" smtClean="0"/>
+              <a:t>somewhat nonvolatile </a:t>
+            </a:r>
+            <a:r>
+              <a:rPr lang="en-US" dirty="0"/>
+              <a:t>scheme, but regardless, unintelligible except through multiple layers of </a:t>
+            </a:r>
+            <a:r>
+              <a:rPr lang="en-US" dirty="0" smtClean="0"/>
+              <a:t>abstraction </a:t>
+            </a:r>
+            <a:r>
+              <a:rPr lang="en-US" dirty="0"/>
+              <a:t>and </a:t>
+            </a:r>
+            <a:r>
+              <a:rPr lang="en-US" dirty="0" smtClean="0"/>
+              <a:t>file-system </a:t>
+            </a:r>
+            <a:r>
+              <a:rPr lang="en-US" dirty="0"/>
+              <a:t>protocols. </a:t>
+            </a:r>
+            <a:endParaRPr lang="en-US" dirty="0" smtClean="0"/>
+          </a:p>
+          <a:p>
+            <a:r>
+              <a:rPr lang="en-US" dirty="0" smtClean="0"/>
+              <a:t>Examples:</a:t>
+            </a:r>
+          </a:p>
+          <a:p>
+            <a:pPr lvl="1"/>
+            <a:r>
+              <a:rPr lang="en-US" dirty="0" smtClean="0"/>
+              <a:t>Emails and IM Sessions</a:t>
+            </a:r>
+            <a:endParaRPr lang="en-US" dirty="0"/>
+          </a:p>
+          <a:p>
+            <a:pPr lvl="1"/>
+            <a:r>
+              <a:rPr lang="en-US" dirty="0" smtClean="0"/>
+              <a:t>Access logs</a:t>
+            </a:r>
+          </a:p>
+          <a:p>
+            <a:pPr lvl="1"/>
+            <a:r>
+              <a:rPr lang="en-US" dirty="0" smtClean="0"/>
+              <a:t>/</a:t>
+            </a:r>
+            <a:r>
+              <a:rPr lang="en-US" dirty="0" err="1" smtClean="0"/>
+              <a:t>var</a:t>
+            </a:r>
+            <a:r>
+              <a:rPr lang="en-US" dirty="0" smtClean="0"/>
+              <a:t>/log/messages</a:t>
+            </a:r>
+          </a:p>
+          <a:p>
+            <a:pPr lvl="1"/>
+            <a:r>
+              <a:rPr lang="en-US" dirty="0" smtClean="0"/>
+              <a:t>Invoices and records of payment</a:t>
+            </a:r>
+          </a:p>
+        </p:txBody>
+      </p:sp>
+    </p:spTree>
+    <p:extLst>
+      <p:ext uri="{BB962C8B-B14F-4D97-AF65-F5344CB8AC3E}">
+        <p14:creationId xmlns:p14="http://schemas.microsoft.com/office/powerpoint/2010/main" val="2727586177"/>
+      </p:ext>
+    </p:extLst>
+  </p:cSld>
+  <p:clrMapOvr>
+    <a:masterClrMapping/>
+  </p:clrMapOvr>
+</p:sld>
+</file>
+
+<file path=ppt/slides/slide19.xml><?xml version="1.0" encoding="utf-8"?>
+<p:sld xmlns:a="http://schemas.openxmlformats.org/drawingml/2006/main" xmlns:r="http://schemas.openxmlformats.org/officeDocument/2006/relationships" xmlns:p="http://schemas.openxmlformats.org/presentationml/2006/main">
+  <p:cSld>
+    <p:spTree>
+      <p:nvGrpSpPr>
+        <p:cNvPr id="1" name=""/>
+        <p:cNvGrpSpPr/>
+        <p:nvPr/>
+      </p:nvGrpSpPr>
+      <p:grpSpPr>
+        <a:xfrm>
+          <a:off x="0" y="0"/>
+          <a:ext cx="0" cy="0"/>
+          <a:chOff x="0" y="0"/>
+          <a:chExt cx="0" cy="0"/>
+        </a:xfrm>
+      </p:grpSpPr>
+      <p:sp>
+        <p:nvSpPr>
+          <p:cNvPr id="2" name="Title 1"/>
+          <p:cNvSpPr>
+            <a:spLocks noGrp="1"/>
+          </p:cNvSpPr>
+          <p:nvPr>
+            <p:ph type="title"/>
+          </p:nvPr>
+        </p:nvSpPr>
+        <p:spPr/>
+        <p:txBody>
+          <a:bodyPr/>
+          <a:lstStyle/>
+          <a:p>
+            <a:r>
+              <a:rPr lang="en-US" dirty="0" smtClean="0"/>
+              <a:t>Network-Based Digital Evidence</a:t>
+            </a:r>
+            <a:endParaRPr lang="en-US" dirty="0"/>
+          </a:p>
+        </p:txBody>
+      </p:sp>
+      <p:sp>
+        <p:nvSpPr>
+          <p:cNvPr id="3" name="Content Placeholder 2"/>
+          <p:cNvSpPr>
+            <a:spLocks noGrp="1"/>
+          </p:cNvSpPr>
+          <p:nvPr>
+            <p:ph idx="1"/>
+          </p:nvPr>
+        </p:nvSpPr>
+        <p:spPr/>
+        <p:txBody>
+          <a:bodyPr>
+            <a:normAutofit fontScale="70000" lnSpcReduction="20000"/>
+          </a:bodyPr>
+          <a:lstStyle/>
+          <a:p>
+            <a:r>
+              <a:rPr lang="en-US" dirty="0"/>
+              <a:t>“Network-based digital evidence” is digital evidence that is produced as a result of </a:t>
+            </a:r>
+            <a:r>
+              <a:rPr lang="en-US" dirty="0" smtClean="0"/>
+              <a:t>communications </a:t>
+            </a:r>
+            <a:r>
+              <a:rPr lang="en-US" dirty="0"/>
+              <a:t>over a network. The primary and secondary storage media of computers (e.g., </a:t>
+            </a:r>
+            <a:r>
+              <a:rPr lang="en-US" dirty="0" smtClean="0"/>
+              <a:t>the RAM </a:t>
+            </a:r>
+            <a:r>
+              <a:rPr lang="en-US" dirty="0"/>
+              <a:t>and hard drives) tend to be fruitful fodder for forensic analysis</a:t>
+            </a:r>
+            <a:r>
+              <a:rPr lang="en-US" dirty="0" smtClean="0"/>
+              <a:t>.</a:t>
+            </a:r>
+          </a:p>
+          <a:p>
+            <a:r>
+              <a:rPr lang="en-US" dirty="0" smtClean="0"/>
+              <a:t>Network</a:t>
+            </a:r>
+            <a:r>
+              <a:rPr lang="en-US" dirty="0"/>
+              <a:t>-based </a:t>
+            </a:r>
+            <a:r>
+              <a:rPr lang="en-US" dirty="0" smtClean="0"/>
+              <a:t>digital evidence </a:t>
+            </a:r>
+            <a:r>
+              <a:rPr lang="en-US" dirty="0"/>
+              <a:t>can be extremely volatile. Packets ﬂit across the wire in milliseconds, vanish </a:t>
+            </a:r>
+            <a:r>
+              <a:rPr lang="en-US" dirty="0" smtClean="0"/>
+              <a:t>from switches </a:t>
+            </a:r>
+            <a:r>
+              <a:rPr lang="en-US" dirty="0"/>
+              <a:t>in the blink of an eye. Web sites change depending on from where they’re </a:t>
+            </a:r>
+            <a:r>
+              <a:rPr lang="en-US" dirty="0" smtClean="0"/>
+              <a:t>viewed and when.</a:t>
+            </a:r>
+          </a:p>
+          <a:p>
+            <a:r>
+              <a:rPr lang="en-US" dirty="0" smtClean="0"/>
+              <a:t>Courts require the testimony of a person with knowledge of the websites appearance to authenticate images of that website.</a:t>
+            </a:r>
+          </a:p>
+          <a:p>
+            <a:r>
+              <a:rPr lang="en-US" dirty="0" smtClean="0"/>
+              <a:t>Examples:</a:t>
+            </a:r>
+          </a:p>
+          <a:p>
+            <a:pPr lvl="1"/>
+            <a:r>
+              <a:rPr lang="en-US" dirty="0" smtClean="0"/>
+              <a:t>Logs</a:t>
+            </a:r>
+          </a:p>
+          <a:p>
+            <a:pPr lvl="1"/>
+            <a:r>
+              <a:rPr lang="en-US" dirty="0" smtClean="0"/>
+              <a:t>Emails</a:t>
+            </a:r>
+          </a:p>
+          <a:p>
+            <a:pPr lvl="1"/>
+            <a:r>
+              <a:rPr lang="en-US" dirty="0" smtClean="0"/>
+              <a:t>Browser Activity</a:t>
+            </a:r>
+          </a:p>
+        </p:txBody>
+      </p:sp>
+    </p:spTree>
+    <p:extLst>
+      <p:ext uri="{BB962C8B-B14F-4D97-AF65-F5344CB8AC3E}">
+        <p14:creationId xmlns:p14="http://schemas.microsoft.com/office/powerpoint/2010/main" val="741751177"/>
+      </p:ext>
+    </p:extLst>
+  </p:cSld>
+  <p:clrMapOvr>
+    <a:masterClrMapping/>
+  </p:clrMapOvr>
+</p:sld>
+</file>
+
+<file path=ppt/slides/slide2.xml><?xml version="1.0" encoding="utf-8"?>
+<p:sld xmlns:a="http://schemas.openxmlformats.org/drawingml/2006/main" xmlns:r="http://schemas.openxmlformats.org/officeDocument/2006/relationships" xmlns:p="http://schemas.openxmlformats.org/presentationml/2006/main">
+  <p:cSld>
+    <p:spTree>
+      <p:nvGrpSpPr>
+        <p:cNvPr id="1" name=""/>
+        <p:cNvGrpSpPr/>
+        <p:nvPr/>
+      </p:nvGrpSpPr>
+      <p:grpSpPr>
+        <a:xfrm>
+          <a:off x="0" y="0"/>
+          <a:ext cx="0" cy="0"/>
+          <a:chOff x="0" y="0"/>
+          <a:chExt cx="0" cy="0"/>
+        </a:xfrm>
+      </p:grpSpPr>
+      <p:sp>
+        <p:nvSpPr>
+          <p:cNvPr id="2" name="Title 1"/>
+          <p:cNvSpPr>
+            <a:spLocks noGrp="1"/>
+          </p:cNvSpPr>
+          <p:nvPr>
+            <p:ph type="title"/>
+          </p:nvPr>
+        </p:nvSpPr>
+        <p:spPr/>
+        <p:txBody>
+          <a:bodyPr/>
+          <a:lstStyle/>
+          <a:p>
+            <a:r>
+              <a:rPr lang="en-US" dirty="0" smtClean="0"/>
+              <a:t>What to expect?</a:t>
+            </a:r>
+            <a:endParaRPr lang="en-US" dirty="0"/>
+          </a:p>
+        </p:txBody>
+      </p:sp>
+      <p:sp>
+        <p:nvSpPr>
+          <p:cNvPr id="3" name="Content Placeholder 2"/>
+          <p:cNvSpPr>
+            <a:spLocks noGrp="1"/>
+          </p:cNvSpPr>
+          <p:nvPr>
+            <p:ph idx="1"/>
+          </p:nvPr>
+        </p:nvSpPr>
+        <p:spPr/>
+        <p:txBody>
+          <a:bodyPr/>
+          <a:lstStyle/>
+          <a:p>
+            <a:r>
+              <a:rPr lang="en-US" dirty="0" smtClean="0"/>
+              <a:t>Technical topics of Network Forensics.</a:t>
+            </a:r>
+          </a:p>
+          <a:p>
+            <a:r>
+              <a:rPr lang="en-US" dirty="0" smtClean="0"/>
+              <a:t>Fundamentals of investigative management.</a:t>
+            </a:r>
+          </a:p>
+          <a:p>
+            <a:r>
+              <a:rPr lang="en-US" dirty="0" smtClean="0"/>
+              <a:t>Fundamentals of evidence collection.</a:t>
+            </a:r>
+          </a:p>
+          <a:p>
+            <a:r>
+              <a:rPr lang="en-US" dirty="0" smtClean="0"/>
+              <a:t>Challenges of network based evidence.</a:t>
+            </a:r>
+          </a:p>
+          <a:p>
+            <a:r>
+              <a:rPr lang="en-US" dirty="0" smtClean="0"/>
+              <a:t>OSCAR investigative methodology</a:t>
+            </a:r>
+            <a:endParaRPr lang="en-US" dirty="0"/>
+          </a:p>
+        </p:txBody>
+      </p:sp>
+    </p:spTree>
+    <p:extLst>
+      <p:ext uri="{BB962C8B-B14F-4D97-AF65-F5344CB8AC3E}">
+        <p14:creationId xmlns:p14="http://schemas.microsoft.com/office/powerpoint/2010/main" val="561855336"/>
+      </p:ext>
+    </p:extLst>
+  </p:cSld>
+  <p:clrMapOvr>
+    <a:masterClrMapping/>
+  </p:clrMapOvr>
+</p:sld>
+</file>
+
+<file path=ppt/slides/slide20.xml><?xml version="1.0" encoding="utf-8"?>
+<p:sld xmlns:a="http://schemas.openxmlformats.org/drawingml/2006/main" xmlns:r="http://schemas.openxmlformats.org/officeDocument/2006/relationships" xmlns:p="http://schemas.openxmlformats.org/presentationml/2006/main">
+  <p:cSld>
+    <p:spTree>
+      <p:nvGrpSpPr>
+        <p:cNvPr id="1" name=""/>
+        <p:cNvGrpSpPr/>
+        <p:nvPr/>
+      </p:nvGrpSpPr>
+      <p:grpSpPr>
+        <a:xfrm>
+          <a:off x="0" y="0"/>
+          <a:ext cx="0" cy="0"/>
+          <a:chOff x="0" y="0"/>
+          <a:chExt cx="0" cy="0"/>
+        </a:xfrm>
+      </p:grpSpPr>
+      <p:sp>
+        <p:nvSpPr>
+          <p:cNvPr id="2" name="Title 1"/>
+          <p:cNvSpPr>
+            <a:spLocks noGrp="1"/>
+          </p:cNvSpPr>
+          <p:nvPr>
+            <p:ph type="title"/>
+          </p:nvPr>
+        </p:nvSpPr>
+        <p:spPr/>
+        <p:txBody>
+          <a:bodyPr/>
+          <a:lstStyle/>
+          <a:p>
+            <a:r>
+              <a:rPr lang="en-US" dirty="0" smtClean="0"/>
+              <a:t>Challenges</a:t>
+            </a:r>
+            <a:endParaRPr lang="en-US" dirty="0"/>
+          </a:p>
+        </p:txBody>
+      </p:sp>
+      <p:sp>
+        <p:nvSpPr>
+          <p:cNvPr id="3" name="Content Placeholder 2"/>
+          <p:cNvSpPr>
+            <a:spLocks noGrp="1"/>
+          </p:cNvSpPr>
+          <p:nvPr>
+            <p:ph idx="1"/>
+          </p:nvPr>
+        </p:nvSpPr>
+        <p:spPr/>
+        <p:txBody>
+          <a:bodyPr>
+            <a:normAutofit fontScale="92500"/>
+          </a:bodyPr>
+          <a:lstStyle/>
+          <a:p>
+            <a:r>
+              <a:rPr lang="en-US" dirty="0" smtClean="0"/>
+              <a:t>Acquisition</a:t>
+            </a:r>
+          </a:p>
+          <a:p>
+            <a:pPr lvl="1"/>
+            <a:r>
+              <a:rPr lang="en-US" dirty="0" smtClean="0"/>
+              <a:t>Difficult to locate-WAP, proxies, central logs.</a:t>
+            </a:r>
+          </a:p>
+          <a:p>
+            <a:pPr lvl="1"/>
+            <a:r>
+              <a:rPr lang="en-US" dirty="0" smtClean="0"/>
+              <a:t>Political and technical reasons.</a:t>
+            </a:r>
+          </a:p>
+          <a:p>
+            <a:r>
+              <a:rPr lang="en-US" dirty="0" smtClean="0"/>
+              <a:t>Content</a:t>
+            </a:r>
+          </a:p>
+          <a:p>
+            <a:pPr lvl="1"/>
+            <a:r>
+              <a:rPr lang="en-US" dirty="0" smtClean="0"/>
+              <a:t>May or may not store evidence with granularity desired.</a:t>
+            </a:r>
+          </a:p>
+          <a:p>
+            <a:pPr lvl="1"/>
+            <a:r>
+              <a:rPr lang="en-US" dirty="0" smtClean="0"/>
+              <a:t>Limited storage on network </a:t>
+            </a:r>
+            <a:r>
+              <a:rPr lang="en-US" dirty="0" err="1" smtClean="0"/>
+              <a:t>devs</a:t>
+            </a:r>
+            <a:r>
+              <a:rPr lang="en-US" dirty="0" smtClean="0"/>
+              <a:t>.</a:t>
+            </a:r>
+          </a:p>
+          <a:p>
+            <a:pPr lvl="1"/>
+            <a:r>
+              <a:rPr lang="en-US" dirty="0" smtClean="0"/>
+              <a:t>Selected metadata is kept.</a:t>
+            </a:r>
+          </a:p>
+          <a:p>
+            <a:r>
+              <a:rPr lang="en-US" dirty="0" smtClean="0"/>
+              <a:t>Storage</a:t>
+            </a:r>
+          </a:p>
+          <a:p>
+            <a:pPr lvl="1"/>
+            <a:r>
+              <a:rPr lang="en-US" dirty="0" smtClean="0"/>
+              <a:t>No persistent storage.</a:t>
+            </a:r>
+          </a:p>
+          <a:p>
+            <a:pPr lvl="1"/>
+            <a:r>
+              <a:rPr lang="en-US" dirty="0" smtClean="0"/>
+              <a:t>Volatile data.</a:t>
+            </a:r>
+          </a:p>
+          <a:p>
+            <a:endParaRPr lang="en-US" dirty="0"/>
+          </a:p>
+        </p:txBody>
+      </p:sp>
+    </p:spTree>
+    <p:extLst>
+      <p:ext uri="{BB962C8B-B14F-4D97-AF65-F5344CB8AC3E}">
+        <p14:creationId xmlns:p14="http://schemas.microsoft.com/office/powerpoint/2010/main" val="3743596597"/>
+      </p:ext>
+    </p:extLst>
+  </p:cSld>
+  <p:clrMapOvr>
+    <a:masterClrMapping/>
+  </p:clrMapOvr>
+</p:sld>
+</file>
+
+<file path=ppt/slides/slide21.xml><?xml version="1.0" encoding="utf-8"?>
+<p:sld xmlns:a="http://schemas.openxmlformats.org/drawingml/2006/main" xmlns:r="http://schemas.openxmlformats.org/officeDocument/2006/relationships" xmlns:p="http://schemas.openxmlformats.org/presentationml/2006/main">
+  <p:cSld>
+    <p:spTree>
+      <p:nvGrpSpPr>
+        <p:cNvPr id="1" name=""/>
+        <p:cNvGrpSpPr/>
+        <p:nvPr/>
+      </p:nvGrpSpPr>
+      <p:grpSpPr>
+        <a:xfrm>
+          <a:off x="0" y="0"/>
+          <a:ext cx="0" cy="0"/>
+          <a:chOff x="0" y="0"/>
+          <a:chExt cx="0" cy="0"/>
+        </a:xfrm>
+      </p:grpSpPr>
+      <p:sp>
+        <p:nvSpPr>
+          <p:cNvPr id="2" name="Title 1"/>
+          <p:cNvSpPr>
+            <a:spLocks noGrp="1"/>
+          </p:cNvSpPr>
+          <p:nvPr>
+            <p:ph type="title"/>
+          </p:nvPr>
+        </p:nvSpPr>
+        <p:spPr/>
+        <p:txBody>
+          <a:bodyPr/>
+          <a:lstStyle/>
+          <a:p>
+            <a:r>
+              <a:rPr lang="en-US" dirty="0" smtClean="0"/>
+              <a:t>Challenges</a:t>
+            </a:r>
+            <a:endParaRPr lang="en-US" dirty="0"/>
+          </a:p>
+        </p:txBody>
+      </p:sp>
+      <p:sp>
+        <p:nvSpPr>
+          <p:cNvPr id="3" name="Content Placeholder 2"/>
+          <p:cNvSpPr>
+            <a:spLocks noGrp="1"/>
+          </p:cNvSpPr>
+          <p:nvPr>
+            <p:ph idx="1"/>
+          </p:nvPr>
+        </p:nvSpPr>
+        <p:spPr/>
+        <p:txBody>
+          <a:bodyPr>
+            <a:normAutofit lnSpcReduction="10000"/>
+          </a:bodyPr>
+          <a:lstStyle/>
+          <a:p>
+            <a:r>
+              <a:rPr lang="en-US" dirty="0"/>
+              <a:t>Privacy</a:t>
+            </a:r>
+          </a:p>
+          <a:p>
+            <a:pPr lvl="1"/>
+            <a:r>
+              <a:rPr lang="en-US" dirty="0"/>
+              <a:t>Legal issues regarding privacy</a:t>
+            </a:r>
+          </a:p>
+          <a:p>
+            <a:r>
+              <a:rPr lang="en-US" dirty="0"/>
+              <a:t>Seizure</a:t>
+            </a:r>
+          </a:p>
+          <a:p>
+            <a:pPr lvl="1"/>
+            <a:r>
+              <a:rPr lang="en-US" dirty="0"/>
+              <a:t>Entire network can go down with one instrument missing</a:t>
+            </a:r>
+          </a:p>
+          <a:p>
+            <a:pPr lvl="1"/>
+            <a:r>
+              <a:rPr lang="en-US" dirty="0"/>
+              <a:t>Cannot seize</a:t>
+            </a:r>
+          </a:p>
+          <a:p>
+            <a:r>
+              <a:rPr lang="en-US" dirty="0" smtClean="0"/>
+              <a:t>Admissibility</a:t>
+            </a:r>
+          </a:p>
+          <a:p>
+            <a:pPr lvl="1"/>
+            <a:r>
+              <a:rPr lang="en-US" dirty="0" smtClean="0"/>
+              <a:t>Conflicting and </a:t>
+            </a:r>
+            <a:r>
+              <a:rPr lang="en-US" dirty="0" err="1" smtClean="0"/>
+              <a:t>nonexisting</a:t>
+            </a:r>
+            <a:r>
+              <a:rPr lang="en-US" dirty="0" smtClean="0"/>
+              <a:t> legal </a:t>
+            </a:r>
+            <a:r>
+              <a:rPr lang="en-US" dirty="0" err="1" smtClean="0"/>
+              <a:t>precidents</a:t>
+            </a:r>
+            <a:r>
+              <a:rPr lang="en-US" dirty="0" smtClean="0"/>
+              <a:t>.</a:t>
+            </a:r>
+          </a:p>
+          <a:p>
+            <a:pPr lvl="1"/>
+            <a:r>
+              <a:rPr lang="en-US" dirty="0" smtClean="0"/>
+              <a:t>New to courts!</a:t>
+            </a:r>
+          </a:p>
+          <a:p>
+            <a:pPr lvl="1"/>
+            <a:r>
+              <a:rPr lang="en-US" dirty="0" smtClean="0"/>
+              <a:t>Keeps changing. </a:t>
+            </a:r>
+            <a:endParaRPr lang="en-US" dirty="0"/>
+          </a:p>
+        </p:txBody>
+      </p:sp>
+    </p:spTree>
+    <p:extLst>
+      <p:ext uri="{BB962C8B-B14F-4D97-AF65-F5344CB8AC3E}">
+        <p14:creationId xmlns:p14="http://schemas.microsoft.com/office/powerpoint/2010/main" val="2956894320"/>
+      </p:ext>
+    </p:extLst>
+  </p:cSld>
+  <p:clrMapOvr>
+    <a:masterClrMapping/>
+  </p:clrMapOvr>
+</p:sld>
+</file>
+
+<file path=ppt/slides/slide22.xml><?xml version="1.0" encoding="utf-8"?>
+<p:sld xmlns:a="http://schemas.openxmlformats.org/drawingml/2006/main" xmlns:r="http://schemas.openxmlformats.org/officeDocument/2006/relationships" xmlns:p="http://schemas.openxmlformats.org/presentationml/2006/main">
+  <p:cSld>
+    <p:spTree>
+      <p:nvGrpSpPr>
+        <p:cNvPr id="1" name=""/>
+        <p:cNvGrpSpPr/>
+        <p:nvPr/>
+      </p:nvGrpSpPr>
+      <p:grpSpPr>
+        <a:xfrm>
+          <a:off x="0" y="0"/>
+          <a:ext cx="0" cy="0"/>
+          <a:chOff x="0" y="0"/>
+          <a:chExt cx="0" cy="0"/>
+        </a:xfrm>
+      </p:grpSpPr>
+      <p:sp>
+        <p:nvSpPr>
+          <p:cNvPr id="2" name="Title 1"/>
+          <p:cNvSpPr>
+            <a:spLocks noGrp="1"/>
+          </p:cNvSpPr>
+          <p:nvPr>
+            <p:ph type="title"/>
+          </p:nvPr>
+        </p:nvSpPr>
+        <p:spPr/>
+        <p:txBody>
+          <a:bodyPr/>
+          <a:lstStyle/>
+          <a:p>
+            <a:r>
+              <a:rPr lang="en-US" dirty="0" smtClean="0"/>
+              <a:t>OSCAR</a:t>
+            </a:r>
+            <a:endParaRPr lang="en-US" dirty="0"/>
+          </a:p>
+        </p:txBody>
+      </p:sp>
+      <p:sp>
+        <p:nvSpPr>
+          <p:cNvPr id="3" name="Content Placeholder 2"/>
+          <p:cNvSpPr>
+            <a:spLocks noGrp="1"/>
+          </p:cNvSpPr>
+          <p:nvPr>
+            <p:ph idx="1"/>
+          </p:nvPr>
+        </p:nvSpPr>
+        <p:spPr/>
+        <p:txBody>
+          <a:bodyPr>
+            <a:normAutofit fontScale="92500" lnSpcReduction="20000"/>
+          </a:bodyPr>
+          <a:lstStyle/>
+          <a:p>
+            <a:r>
+              <a:rPr lang="en-US" dirty="0" smtClean="0"/>
+              <a:t>Obtain information</a:t>
+            </a:r>
+          </a:p>
+          <a:p>
+            <a:pPr lvl="1"/>
+            <a:r>
+              <a:rPr lang="en-US" dirty="0" smtClean="0"/>
+              <a:t>About incident and environment</a:t>
+            </a:r>
+          </a:p>
+          <a:p>
+            <a:r>
+              <a:rPr lang="en-US" dirty="0" smtClean="0"/>
+              <a:t>Strategize</a:t>
+            </a:r>
+          </a:p>
+          <a:p>
+            <a:pPr lvl="1"/>
+            <a:r>
+              <a:rPr lang="en-US" dirty="0" smtClean="0"/>
+              <a:t>Plan and prioritize resources</a:t>
+            </a:r>
+          </a:p>
+          <a:p>
+            <a:r>
+              <a:rPr lang="en-US" dirty="0" smtClean="0"/>
+              <a:t>Collect evidence</a:t>
+            </a:r>
+          </a:p>
+          <a:p>
+            <a:pPr lvl="1"/>
+            <a:r>
+              <a:rPr lang="en-US" dirty="0" smtClean="0"/>
+              <a:t>Document, Capture and Store/Transport</a:t>
+            </a:r>
+          </a:p>
+          <a:p>
+            <a:r>
+              <a:rPr lang="en-US" dirty="0" smtClean="0"/>
+              <a:t>Analyze</a:t>
+            </a:r>
+          </a:p>
+          <a:p>
+            <a:pPr lvl="1"/>
+            <a:r>
+              <a:rPr lang="en-US" dirty="0" smtClean="0"/>
+              <a:t>Correlation, timeline, events of interest, corroboration, interpretation</a:t>
+            </a:r>
+          </a:p>
+          <a:p>
+            <a:r>
+              <a:rPr lang="en-US" dirty="0" smtClean="0"/>
+              <a:t>Report</a:t>
+            </a:r>
+          </a:p>
+          <a:p>
+            <a:pPr lvl="1"/>
+            <a:r>
+              <a:rPr lang="en-US" dirty="0" smtClean="0"/>
+              <a:t>Factual, understandable and defensible</a:t>
+            </a:r>
+          </a:p>
+          <a:p>
+            <a:endParaRPr lang="en-US" dirty="0" smtClean="0"/>
+          </a:p>
+          <a:p>
+            <a:pPr marL="0" indent="0">
+              <a:buNone/>
+            </a:pPr>
+            <a:endParaRPr lang="en-US" dirty="0"/>
+          </a:p>
+        </p:txBody>
+      </p:sp>
+    </p:spTree>
+    <p:extLst>
+      <p:ext uri="{BB962C8B-B14F-4D97-AF65-F5344CB8AC3E}">
+        <p14:creationId xmlns:p14="http://schemas.microsoft.com/office/powerpoint/2010/main" val="1024670751"/>
+      </p:ext>
+    </p:extLst>
+  </p:cSld>
+  <p:clrMapOvr>
+    <a:masterClrMapping/>
+  </p:clrMapOvr>
+</p:sld>
+</file>
+
+<file path=ppt/slides/slide23.xml><?xml version="1.0" encoding="utf-8"?>
+<p:sld xmlns:a="http://schemas.openxmlformats.org/drawingml/2006/main" xmlns:r="http://schemas.openxmlformats.org/officeDocument/2006/relationships" xmlns:p="http://schemas.openxmlformats.org/presentationml/2006/main">
+  <p:cSld>
+    <p:spTree>
+      <p:nvGrpSpPr>
+        <p:cNvPr id="1" name=""/>
+        <p:cNvGrpSpPr/>
+        <p:nvPr/>
+      </p:nvGrpSpPr>
+      <p:grpSpPr>
+        <a:xfrm>
+          <a:off x="0" y="0"/>
+          <a:ext cx="0" cy="0"/>
+          <a:chOff x="0" y="0"/>
+          <a:chExt cx="0" cy="0"/>
+        </a:xfrm>
+      </p:grpSpPr>
+      <p:sp>
+        <p:nvSpPr>
+          <p:cNvPr id="2" name="Title 1"/>
+          <p:cNvSpPr>
+            <a:spLocks noGrp="1"/>
+          </p:cNvSpPr>
+          <p:nvPr>
+            <p:ph type="title"/>
+          </p:nvPr>
+        </p:nvSpPr>
+        <p:spPr/>
+        <p:txBody>
+          <a:bodyPr/>
+          <a:lstStyle/>
+          <a:p>
+            <a:r>
+              <a:rPr lang="en-US" smtClean="0"/>
+              <a:t>Conclusion</a:t>
+            </a:r>
+            <a:endParaRPr lang="en-US" dirty="0"/>
+          </a:p>
+        </p:txBody>
+      </p:sp>
+      <p:sp>
+        <p:nvSpPr>
+          <p:cNvPr id="3" name="Content Placeholder 2"/>
+          <p:cNvSpPr>
+            <a:spLocks noGrp="1"/>
+          </p:cNvSpPr>
+          <p:nvPr>
+            <p:ph idx="1"/>
+          </p:nvPr>
+        </p:nvSpPr>
+        <p:spPr/>
+        <p:txBody>
+          <a:bodyPr>
+            <a:normAutofit/>
+          </a:bodyPr>
+          <a:lstStyle/>
+          <a:p>
+            <a:r>
+              <a:rPr lang="en-US" dirty="0" smtClean="0"/>
+              <a:t>Myriad of Challenges</a:t>
+            </a:r>
+          </a:p>
+          <a:p>
+            <a:r>
+              <a:rPr lang="en-US" dirty="0" smtClean="0"/>
+              <a:t>Strategy is important</a:t>
+            </a:r>
+          </a:p>
+          <a:p>
+            <a:r>
+              <a:rPr lang="en-US" dirty="0" smtClean="0"/>
+              <a:t>Various other aspects than only technical</a:t>
+            </a:r>
+          </a:p>
+          <a:p>
+            <a:r>
+              <a:rPr lang="en-US" dirty="0" smtClean="0"/>
+              <a:t>Know your laws.</a:t>
+            </a:r>
+          </a:p>
+          <a:p>
+            <a:r>
+              <a:rPr lang="en-US" dirty="0"/>
+              <a:t>“</a:t>
+            </a:r>
+            <a:r>
+              <a:rPr lang="en-US" i="1" dirty="0"/>
+              <a:t>A victorious army ﬁrst wins and then seeks battle; </a:t>
+            </a:r>
+            <a:r>
+              <a:rPr lang="en-US" i="1" dirty="0" smtClean="0"/>
+              <a:t>a defeated </a:t>
+            </a:r>
+            <a:r>
+              <a:rPr lang="en-US" i="1" dirty="0"/>
+              <a:t>army ﬁrst battles and then seeks </a:t>
+            </a:r>
+            <a:r>
+              <a:rPr lang="en-US" i="1" dirty="0" smtClean="0"/>
+              <a:t>victory” –Sun Tzu</a:t>
+            </a:r>
+            <a:endParaRPr lang="en-US" i="1" dirty="0"/>
+          </a:p>
+        </p:txBody>
+      </p:sp>
+    </p:spTree>
+    <p:extLst>
+      <p:ext uri="{BB962C8B-B14F-4D97-AF65-F5344CB8AC3E}">
+        <p14:creationId xmlns:p14="http://schemas.microsoft.com/office/powerpoint/2010/main" val="189839710"/>
+      </p:ext>
+    </p:extLst>
+  </p:cSld>
+  <p:clrMapOvr>
+    <a:masterClrMapping/>
+  </p:clrMapOvr>
+</p:sld>
+</file>
+
+<file path=ppt/slides/slide3.xml><?xml version="1.0" encoding="utf-8"?>
+<p:sld xmlns:a="http://schemas.openxmlformats.org/drawingml/2006/main" xmlns:r="http://schemas.openxmlformats.org/officeDocument/2006/relationships" xmlns:p="http://schemas.openxmlformats.org/presentationml/2006/main">
+  <p:cSld>
+    <p:spTree>
+      <p:nvGrpSpPr>
+        <p:cNvPr id="1" name=""/>
+        <p:cNvGrpSpPr/>
+        <p:nvPr/>
+      </p:nvGrpSpPr>
+      <p:grpSpPr>
+        <a:xfrm>
+          <a:off x="0" y="0"/>
+          <a:ext cx="0" cy="0"/>
+          <a:chOff x="0" y="0"/>
+          <a:chExt cx="0" cy="0"/>
+        </a:xfrm>
+      </p:grpSpPr>
+      <p:sp>
+        <p:nvSpPr>
+          <p:cNvPr id="2" name="Title 1"/>
+          <p:cNvSpPr>
+            <a:spLocks noGrp="1"/>
+          </p:cNvSpPr>
+          <p:nvPr>
+            <p:ph type="title"/>
+          </p:nvPr>
+        </p:nvSpPr>
+        <p:spPr/>
+        <p:txBody>
+          <a:bodyPr/>
+          <a:lstStyle/>
+          <a:p>
+            <a:r>
+              <a:rPr lang="en-US" dirty="0" smtClean="0"/>
+              <a:t>Real World Cases</a:t>
+            </a:r>
+            <a:endParaRPr lang="en-US" dirty="0"/>
+          </a:p>
+        </p:txBody>
+      </p:sp>
+      <p:sp>
+        <p:nvSpPr>
+          <p:cNvPr id="3" name="Content Placeholder 2"/>
+          <p:cNvSpPr>
+            <a:spLocks noGrp="1"/>
+          </p:cNvSpPr>
+          <p:nvPr>
+            <p:ph idx="1"/>
+          </p:nvPr>
+        </p:nvSpPr>
+        <p:spPr/>
+        <p:txBody>
+          <a:bodyPr/>
+          <a:lstStyle/>
+          <a:p>
+            <a:r>
+              <a:rPr lang="en-US" dirty="0" smtClean="0"/>
+              <a:t>Hospital Laptop Goes Missing</a:t>
+            </a:r>
+          </a:p>
+          <a:p>
+            <a:r>
+              <a:rPr lang="en-US" dirty="0" smtClean="0"/>
+              <a:t>Catching corporate pirate</a:t>
+            </a:r>
+          </a:p>
+          <a:p>
+            <a:r>
+              <a:rPr lang="en-US" dirty="0" smtClean="0"/>
+              <a:t>Hacked Government Server</a:t>
+            </a:r>
+            <a:endParaRPr lang="en-US" dirty="0"/>
+          </a:p>
+        </p:txBody>
+      </p:sp>
+    </p:spTree>
+    <p:extLst>
+      <p:ext uri="{BB962C8B-B14F-4D97-AF65-F5344CB8AC3E}">
+        <p14:creationId xmlns:p14="http://schemas.microsoft.com/office/powerpoint/2010/main" val="1500003787"/>
+      </p:ext>
+    </p:extLst>
+  </p:cSld>
+  <p:clrMapOvr>
+    <a:masterClrMapping/>
+  </p:clrMapOvr>
+</p:sld>
+</file>
+
+<file path=ppt/slides/slide4.xml><?xml version="1.0" encoding="utf-8"?>
+<p:sld xmlns:a="http://schemas.openxmlformats.org/drawingml/2006/main" xmlns:r="http://schemas.openxmlformats.org/officeDocument/2006/relationships" xmlns:p="http://schemas.openxmlformats.org/presentationml/2006/main">
+  <p:cSld>
+    <p:spTree>
+      <p:nvGrpSpPr>
+        <p:cNvPr id="1" name=""/>
+        <p:cNvGrpSpPr/>
+        <p:nvPr/>
+      </p:nvGrpSpPr>
+      <p:grpSpPr>
+        <a:xfrm>
+          <a:off x="0" y="0"/>
+          <a:ext cx="0" cy="0"/>
+          <a:chOff x="0" y="0"/>
+          <a:chExt cx="0" cy="0"/>
+        </a:xfrm>
+      </p:grpSpPr>
+      <p:sp>
+        <p:nvSpPr>
+          <p:cNvPr id="2" name="Title 1"/>
+          <p:cNvSpPr>
+            <a:spLocks noGrp="1"/>
+          </p:cNvSpPr>
+          <p:nvPr>
+            <p:ph type="title"/>
+          </p:nvPr>
+        </p:nvSpPr>
+        <p:spPr/>
+        <p:txBody>
+          <a:bodyPr/>
+          <a:lstStyle/>
+          <a:p>
+            <a:r>
+              <a:rPr lang="en-US" dirty="0" smtClean="0"/>
+              <a:t>Hospital Case</a:t>
+            </a:r>
+            <a:endParaRPr lang="en-US" dirty="0"/>
+          </a:p>
+        </p:txBody>
+      </p:sp>
+      <p:sp>
+        <p:nvSpPr>
+          <p:cNvPr id="3" name="Content Placeholder 2"/>
+          <p:cNvSpPr>
+            <a:spLocks noGrp="1"/>
+          </p:cNvSpPr>
+          <p:nvPr>
+            <p:ph idx="1"/>
+          </p:nvPr>
+        </p:nvSpPr>
+        <p:spPr/>
+        <p:txBody>
+          <a:bodyPr/>
+          <a:lstStyle/>
+          <a:p>
+            <a:r>
+              <a:rPr lang="en-US" dirty="0"/>
+              <a:t>A doctor reports that her laptop has been stolen from her office in a busy U.S. metropolitan hospital. The computer is password-protected, but the hard drive is not encrypted</a:t>
+            </a:r>
+            <a:r>
+              <a:rPr lang="en-US" dirty="0" smtClean="0"/>
+              <a:t>.</a:t>
+            </a:r>
+          </a:p>
+          <a:p>
+            <a:r>
+              <a:rPr lang="en-US" dirty="0" smtClean="0"/>
+              <a:t>Potential Threat:</a:t>
+            </a:r>
+          </a:p>
+          <a:p>
+            <a:pPr lvl="1"/>
+            <a:r>
+              <a:rPr lang="en-US" dirty="0" smtClean="0"/>
+              <a:t>Hospital regulated under HIPAA. All patient records must be secured, else hospital will be liable for damages.</a:t>
+            </a:r>
+          </a:p>
+          <a:p>
+            <a:endParaRPr lang="en-US" dirty="0"/>
+          </a:p>
+        </p:txBody>
+      </p:sp>
+    </p:spTree>
+    <p:extLst>
+      <p:ext uri="{BB962C8B-B14F-4D97-AF65-F5344CB8AC3E}">
+        <p14:creationId xmlns:p14="http://schemas.microsoft.com/office/powerpoint/2010/main" val="1428847946"/>
+      </p:ext>
+    </p:extLst>
+  </p:cSld>
+  <p:clrMapOvr>
+    <a:masterClrMapping/>
+  </p:clrMapOvr>
+</p:sld>
+</file>
+
+<file path=ppt/slides/slide5.xml><?xml version="1.0" encoding="utf-8"?>
+<p:sld xmlns:a="http://schemas.openxmlformats.org/drawingml/2006/main" xmlns:r="http://schemas.openxmlformats.org/officeDocument/2006/relationships" xmlns:p="http://schemas.openxmlformats.org/presentationml/2006/main">
+  <p:cSld>
+    <p:spTree>
+      <p:nvGrpSpPr>
+        <p:cNvPr id="1" name=""/>
+        <p:cNvGrpSpPr/>
+        <p:nvPr/>
+      </p:nvGrpSpPr>
+      <p:grpSpPr>
+        <a:xfrm>
+          <a:off x="0" y="0"/>
+          <a:ext cx="0" cy="0"/>
+          <a:chOff x="0" y="0"/>
+          <a:chExt cx="0" cy="0"/>
+        </a:xfrm>
+      </p:grpSpPr>
+      <p:sp>
+        <p:nvSpPr>
+          <p:cNvPr id="2" name="Title 1"/>
+          <p:cNvSpPr>
+            <a:spLocks noGrp="1"/>
+          </p:cNvSpPr>
+          <p:nvPr>
+            <p:ph type="title"/>
+          </p:nvPr>
+        </p:nvSpPr>
+        <p:spPr/>
+        <p:txBody>
+          <a:bodyPr/>
+          <a:lstStyle/>
+          <a:p>
+            <a:r>
+              <a:rPr lang="en-US" dirty="0" smtClean="0"/>
+              <a:t>Hospital Case</a:t>
+            </a:r>
+            <a:endParaRPr lang="en-US" dirty="0"/>
+          </a:p>
+        </p:txBody>
+      </p:sp>
+      <p:sp>
+        <p:nvSpPr>
+          <p:cNvPr id="3" name="Content Placeholder 2"/>
+          <p:cNvSpPr>
+            <a:spLocks noGrp="1"/>
+          </p:cNvSpPr>
+          <p:nvPr>
+            <p:ph idx="1"/>
+          </p:nvPr>
+        </p:nvSpPr>
+        <p:spPr/>
+        <p:txBody>
+          <a:bodyPr/>
+          <a:lstStyle/>
+          <a:p>
+            <a:r>
+              <a:rPr lang="en-US" dirty="0" smtClean="0"/>
+              <a:t>Questions:</a:t>
+            </a:r>
+          </a:p>
+          <a:p>
+            <a:pPr lvl="1"/>
+            <a:r>
+              <a:rPr lang="en-US" dirty="0" smtClean="0"/>
+              <a:t>Precisely when did laptop go missing?</a:t>
+            </a:r>
+          </a:p>
+          <a:p>
+            <a:pPr lvl="1"/>
+            <a:r>
+              <a:rPr lang="en-US" dirty="0" smtClean="0"/>
+              <a:t>Can we track down the laptop and recover it?</a:t>
+            </a:r>
+          </a:p>
+          <a:p>
+            <a:pPr lvl="1"/>
+            <a:r>
+              <a:rPr lang="en-US" dirty="0" smtClean="0"/>
+              <a:t>Which patient data was on the laptop?</a:t>
+            </a:r>
+          </a:p>
+          <a:p>
+            <a:pPr lvl="1"/>
+            <a:r>
+              <a:rPr lang="en-US" dirty="0" smtClean="0"/>
+              <a:t>How many individuals data was affected?</a:t>
+            </a:r>
+          </a:p>
+          <a:p>
+            <a:pPr lvl="1"/>
+            <a:r>
+              <a:rPr lang="en-US" dirty="0" smtClean="0"/>
+              <a:t>Did the thief leverage doctor’s credentials to gain further access?</a:t>
+            </a:r>
+          </a:p>
+          <a:p>
+            <a:pPr marL="0" indent="0">
+              <a:buNone/>
+            </a:pPr>
+            <a:endParaRPr lang="en-US" dirty="0"/>
+          </a:p>
+        </p:txBody>
+      </p:sp>
+    </p:spTree>
+    <p:extLst>
+      <p:ext uri="{BB962C8B-B14F-4D97-AF65-F5344CB8AC3E}">
+        <p14:creationId xmlns:p14="http://schemas.microsoft.com/office/powerpoint/2010/main" val="2605658667"/>
+      </p:ext>
+    </p:extLst>
+  </p:cSld>
+  <p:clrMapOvr>
+    <a:masterClrMapping/>
+  </p:clrMapOvr>
+</p:sld>
+</file>
+
+<file path=ppt/slides/slide6.xml><?xml version="1.0" encoding="utf-8"?>
+<p:sld xmlns:a="http://schemas.openxmlformats.org/drawingml/2006/main" xmlns:r="http://schemas.openxmlformats.org/officeDocument/2006/relationships" xmlns:p="http://schemas.openxmlformats.org/presentationml/2006/main">
+  <p:cSld>
+    <p:spTree>
+      <p:nvGrpSpPr>
+        <p:cNvPr id="1" name=""/>
+        <p:cNvGrpSpPr/>
+        <p:nvPr/>
+      </p:nvGrpSpPr>
+      <p:grpSpPr>
+        <a:xfrm>
+          <a:off x="0" y="0"/>
+          <a:ext cx="0" cy="0"/>
+          <a:chOff x="0" y="0"/>
+          <a:chExt cx="0" cy="0"/>
+        </a:xfrm>
+      </p:grpSpPr>
+      <p:sp>
+        <p:nvSpPr>
+          <p:cNvPr id="2" name="Title 1"/>
+          <p:cNvSpPr>
+            <a:spLocks noGrp="1"/>
+          </p:cNvSpPr>
+          <p:nvPr>
+            <p:ph type="title"/>
+          </p:nvPr>
+        </p:nvSpPr>
+        <p:spPr/>
+        <p:txBody>
+          <a:bodyPr/>
+          <a:lstStyle/>
+          <a:p>
+            <a:r>
+              <a:rPr lang="en-US" dirty="0" smtClean="0"/>
+              <a:t>Technical Approach</a:t>
+            </a:r>
+            <a:endParaRPr lang="en-US" dirty="0"/>
+          </a:p>
+        </p:txBody>
+      </p:sp>
+      <p:sp>
+        <p:nvSpPr>
+          <p:cNvPr id="3" name="Content Placeholder 2"/>
+          <p:cNvSpPr>
+            <a:spLocks noGrp="1"/>
+          </p:cNvSpPr>
+          <p:nvPr>
+            <p:ph idx="1"/>
+          </p:nvPr>
+        </p:nvSpPr>
+        <p:spPr/>
+        <p:txBody>
+          <a:bodyPr/>
+          <a:lstStyle/>
+          <a:p>
+            <a:r>
+              <a:rPr lang="en-US" dirty="0" smtClean="0"/>
+              <a:t>Missing time gives support to physical </a:t>
+            </a:r>
+            <a:r>
+              <a:rPr lang="en-US" dirty="0" err="1" smtClean="0"/>
+              <a:t>surviellance</a:t>
+            </a:r>
+            <a:r>
+              <a:rPr lang="en-US" dirty="0" smtClean="0"/>
+              <a:t> search and access logs.</a:t>
+            </a:r>
+          </a:p>
+          <a:p>
+            <a:r>
+              <a:rPr lang="en-US" dirty="0" smtClean="0"/>
+              <a:t>Evidence can be found in Wireless access points logs, DHCP lease assignment logs, AD events, Web proxy </a:t>
+            </a:r>
+            <a:r>
+              <a:rPr lang="en-US" dirty="0" err="1" smtClean="0"/>
+              <a:t>evemts</a:t>
+            </a:r>
+            <a:r>
+              <a:rPr lang="en-US" dirty="0" smtClean="0"/>
+              <a:t>, and laptop tracking software.</a:t>
+            </a:r>
+          </a:p>
+          <a:p>
+            <a:r>
+              <a:rPr lang="en-US" dirty="0" smtClean="0"/>
+              <a:t>GUI of Enterprise WAP logs can come in handy to determine last known physical location.</a:t>
+            </a:r>
+          </a:p>
+          <a:p>
+            <a:r>
+              <a:rPr lang="en-US" dirty="0" smtClean="0"/>
+              <a:t>Leveraging above points investigators can pinpoint time of theft and track where the laptop is.</a:t>
+            </a:r>
+            <a:endParaRPr lang="en-US" dirty="0"/>
+          </a:p>
+        </p:txBody>
+      </p:sp>
+    </p:spTree>
+    <p:extLst>
+      <p:ext uri="{BB962C8B-B14F-4D97-AF65-F5344CB8AC3E}">
+        <p14:creationId xmlns:p14="http://schemas.microsoft.com/office/powerpoint/2010/main" val="1595674721"/>
+      </p:ext>
+    </p:extLst>
+  </p:cSld>
+  <p:clrMapOvr>
+    <a:masterClrMapping/>
+  </p:clrMapOvr>
+</p:sld>
+</file>
+
+<file path=ppt/slides/slide7.xml><?xml version="1.0" encoding="utf-8"?>
+<p:sld xmlns:a="http://schemas.openxmlformats.org/drawingml/2006/main" xmlns:r="http://schemas.openxmlformats.org/officeDocument/2006/relationships" xmlns:p="http://schemas.openxmlformats.org/presentationml/2006/main">
+  <p:cSld>
+    <p:spTree>
+      <p:nvGrpSpPr>
+        <p:cNvPr id="1" name=""/>
+        <p:cNvGrpSpPr/>
+        <p:nvPr/>
+      </p:nvGrpSpPr>
+      <p:grpSpPr>
+        <a:xfrm>
+          <a:off x="0" y="0"/>
+          <a:ext cx="0" cy="0"/>
+          <a:chOff x="0" y="0"/>
+          <a:chExt cx="0" cy="0"/>
+        </a:xfrm>
+      </p:grpSpPr>
+      <p:sp>
+        <p:nvSpPr>
+          <p:cNvPr id="2" name="Title 1"/>
+          <p:cNvSpPr>
+            <a:spLocks noGrp="1"/>
+          </p:cNvSpPr>
+          <p:nvPr>
+            <p:ph type="title"/>
+          </p:nvPr>
+        </p:nvSpPr>
+        <p:spPr/>
+        <p:txBody>
+          <a:bodyPr/>
+          <a:lstStyle/>
+          <a:p>
+            <a:r>
+              <a:rPr lang="en-US" dirty="0" smtClean="0"/>
+              <a:t>Catching corporate Pirate</a:t>
+            </a:r>
+            <a:endParaRPr lang="en-US" dirty="0"/>
+          </a:p>
+        </p:txBody>
+      </p:sp>
+      <p:sp>
+        <p:nvSpPr>
+          <p:cNvPr id="3" name="Content Placeholder 2"/>
+          <p:cNvSpPr>
+            <a:spLocks noGrp="1"/>
+          </p:cNvSpPr>
+          <p:nvPr>
+            <p:ph idx="1"/>
+          </p:nvPr>
+        </p:nvSpPr>
+        <p:spPr/>
+        <p:txBody>
+          <a:bodyPr/>
+          <a:lstStyle/>
+          <a:p>
+            <a:r>
+              <a:rPr lang="en-US" dirty="0" smtClean="0"/>
+              <a:t>Employee uses company network for trafficking pirated intellectual property.</a:t>
+            </a:r>
+          </a:p>
+          <a:p>
+            <a:r>
+              <a:rPr lang="en-US" dirty="0" smtClean="0"/>
+              <a:t>Owner may claim for damages with DMCA(</a:t>
+            </a:r>
+            <a:r>
+              <a:rPr lang="en-US" dirty="0" err="1" smtClean="0"/>
+              <a:t>DamnCA</a:t>
+            </a:r>
+            <a:r>
+              <a:rPr lang="en-US" dirty="0" smtClean="0"/>
+              <a:t>!).</a:t>
+            </a:r>
+          </a:p>
+          <a:p>
+            <a:r>
+              <a:rPr lang="en-US" dirty="0" smtClean="0"/>
+              <a:t>Questions:</a:t>
+            </a:r>
+          </a:p>
+          <a:p>
+            <a:pPr lvl="1"/>
+            <a:r>
+              <a:rPr lang="en-US" dirty="0" smtClean="0"/>
+              <a:t>Where is source of the P2P traffic physically located?</a:t>
+            </a:r>
+          </a:p>
+          <a:p>
+            <a:pPr lvl="1"/>
+            <a:r>
+              <a:rPr lang="en-US" dirty="0" smtClean="0"/>
+              <a:t>Which user is initiating the P2P traffic?</a:t>
+            </a:r>
+          </a:p>
+          <a:p>
+            <a:pPr lvl="1"/>
+            <a:r>
+              <a:rPr lang="en-US" dirty="0" smtClean="0"/>
+              <a:t>What data is being shared?</a:t>
+            </a:r>
+          </a:p>
+          <a:p>
+            <a:pPr lvl="1"/>
+            <a:endParaRPr lang="en-US" dirty="0"/>
+          </a:p>
+        </p:txBody>
+      </p:sp>
+    </p:spTree>
+    <p:extLst>
+      <p:ext uri="{BB962C8B-B14F-4D97-AF65-F5344CB8AC3E}">
+        <p14:creationId xmlns:p14="http://schemas.microsoft.com/office/powerpoint/2010/main" val="3613933589"/>
+      </p:ext>
+    </p:extLst>
+  </p:cSld>
+  <p:clrMapOvr>
+    <a:masterClrMapping/>
+  </p:clrMapOvr>
+</p:sld>
+</file>
+
+<file path=ppt/slides/slide8.xml><?xml version="1.0" encoding="utf-8"?>
+<p:sld xmlns:a="http://schemas.openxmlformats.org/drawingml/2006/main" xmlns:r="http://schemas.openxmlformats.org/officeDocument/2006/relationships" xmlns:p="http://schemas.openxmlformats.org/presentationml/2006/main">
+  <p:cSld>
+    <p:spTree>
+      <p:nvGrpSpPr>
+        <p:cNvPr id="1" name=""/>
+        <p:cNvGrpSpPr/>
+        <p:nvPr/>
+      </p:nvGrpSpPr>
+      <p:grpSpPr>
+        <a:xfrm>
+          <a:off x="0" y="0"/>
+          <a:ext cx="0" cy="0"/>
+          <a:chOff x="0" y="0"/>
+          <a:chExt cx="0" cy="0"/>
+        </a:xfrm>
+      </p:grpSpPr>
+      <p:sp>
+        <p:nvSpPr>
+          <p:cNvPr id="2" name="Title 1"/>
+          <p:cNvSpPr>
+            <a:spLocks noGrp="1"/>
+          </p:cNvSpPr>
+          <p:nvPr>
+            <p:ph type="title"/>
+          </p:nvPr>
+        </p:nvSpPr>
+        <p:spPr/>
+        <p:txBody>
+          <a:bodyPr/>
+          <a:lstStyle/>
+          <a:p>
+            <a:r>
+              <a:rPr lang="en-US" dirty="0"/>
+              <a:t>Technical approach</a:t>
+            </a:r>
+            <a:endParaRPr lang="en-US" dirty="0"/>
+          </a:p>
+        </p:txBody>
+      </p:sp>
+      <p:sp>
+        <p:nvSpPr>
+          <p:cNvPr id="3" name="Content Placeholder 2"/>
+          <p:cNvSpPr>
+            <a:spLocks noGrp="1"/>
+          </p:cNvSpPr>
+          <p:nvPr>
+            <p:ph idx="1"/>
+          </p:nvPr>
+        </p:nvSpPr>
+        <p:spPr/>
+        <p:txBody>
+          <a:bodyPr>
+            <a:normAutofit lnSpcReduction="10000"/>
+          </a:bodyPr>
+          <a:lstStyle/>
+          <a:p>
+            <a:r>
+              <a:rPr lang="en-US" dirty="0" smtClean="0"/>
+              <a:t>Using IP address from IDS alerts, physical site of source was discovered. Local network management was contacted for further determining of user.</a:t>
+            </a:r>
+          </a:p>
+          <a:p>
+            <a:r>
+              <a:rPr lang="en-US" dirty="0" smtClean="0"/>
+              <a:t>WLAN and LAN DHCP pool was searched for concerned IP address and MAC address of source was determined.</a:t>
+            </a:r>
+          </a:p>
+          <a:p>
+            <a:r>
+              <a:rPr lang="en-US" dirty="0" smtClean="0"/>
+              <a:t>Using logs in switches and IP address was mapped to physical port.</a:t>
+            </a:r>
+          </a:p>
+          <a:p>
+            <a:r>
+              <a:rPr lang="en-US" dirty="0" smtClean="0"/>
+              <a:t>The culprit was apprehended along with laptop which was sent for forensic analysis. </a:t>
+            </a:r>
+            <a:endParaRPr lang="en-US" dirty="0"/>
+          </a:p>
+        </p:txBody>
+      </p:sp>
+    </p:spTree>
+    <p:extLst>
+      <p:ext uri="{BB962C8B-B14F-4D97-AF65-F5344CB8AC3E}">
+        <p14:creationId xmlns:p14="http://schemas.microsoft.com/office/powerpoint/2010/main" val="398299486"/>
+      </p:ext>
+    </p:extLst>
+  </p:cSld>
+  <p:clrMapOvr>
+    <a:masterClrMapping/>
+  </p:clrMapOvr>
+</p:sld>
+</file>
+
+<file path=ppt/slides/slide9.xml><?xml version="1.0" encoding="utf-8"?>
+<p:sld xmlns:a="http://schemas.openxmlformats.org/drawingml/2006/main" xmlns:r="http://schemas.openxmlformats.org/officeDocument/2006/relationships" xmlns:p="http://schemas.openxmlformats.org/presentationml/2006/main">
+  <p:cSld>
+    <p:spTree>
+      <p:nvGrpSpPr>
+        <p:cNvPr id="1" name=""/>
+        <p:cNvGrpSpPr/>
+        <p:nvPr/>
+      </p:nvGrpSpPr>
+      <p:grpSpPr>
+        <a:xfrm>
+          <a:off x="0" y="0"/>
+          <a:ext cx="0" cy="0"/>
+          <a:chOff x="0" y="0"/>
+          <a:chExt cx="0" cy="0"/>
+        </a:xfrm>
+      </p:grpSpPr>
+      <p:sp>
+        <p:nvSpPr>
+          <p:cNvPr id="2" name="Title 1"/>
+          <p:cNvSpPr>
+            <a:spLocks noGrp="1"/>
+          </p:cNvSpPr>
+          <p:nvPr>
+            <p:ph type="title"/>
+          </p:nvPr>
+        </p:nvSpPr>
+        <p:spPr/>
+        <p:txBody>
+          <a:bodyPr/>
+          <a:lstStyle/>
+          <a:p>
+            <a:r>
+              <a:rPr lang="en-US" dirty="0" smtClean="0"/>
+              <a:t>Technical Approach</a:t>
+            </a:r>
+            <a:endParaRPr lang="en-US" dirty="0"/>
+          </a:p>
+        </p:txBody>
+      </p:sp>
+      <p:sp>
+        <p:nvSpPr>
+          <p:cNvPr id="3" name="Content Placeholder 2"/>
+          <p:cNvSpPr>
+            <a:spLocks noGrp="1"/>
+          </p:cNvSpPr>
+          <p:nvPr>
+            <p:ph idx="1"/>
+          </p:nvPr>
+        </p:nvSpPr>
+        <p:spPr/>
+        <p:txBody>
+          <a:bodyPr/>
+          <a:lstStyle/>
+          <a:p>
+            <a:r>
+              <a:rPr lang="en-US" dirty="0" smtClean="0"/>
+              <a:t>However, Forensic analysis showed no traces of P2P activity but MAC address pointed that same physical port was used.</a:t>
+            </a:r>
+          </a:p>
+          <a:p>
+            <a:r>
+              <a:rPr lang="en-US" dirty="0" smtClean="0"/>
+              <a:t>Culprit might have privileged access to read emails of investigators and has hidden the original laptop.</a:t>
+            </a:r>
+          </a:p>
+          <a:p>
+            <a:r>
+              <a:rPr lang="en-US" dirty="0" smtClean="0"/>
+              <a:t>Upon searching perimeter, P2P source laptop was confiscated.</a:t>
+            </a:r>
+          </a:p>
+          <a:p>
+            <a:pPr marL="0" indent="0">
+              <a:buNone/>
+            </a:pPr>
+            <a:r>
+              <a:rPr lang="en-US" dirty="0" smtClean="0"/>
+              <a:t> </a:t>
+            </a:r>
+            <a:endParaRPr lang="en-US" dirty="0"/>
+          </a:p>
+        </p:txBody>
+      </p:sp>
+    </p:spTree>
+    <p:extLst>
+      <p:ext uri="{BB962C8B-B14F-4D97-AF65-F5344CB8AC3E}">
+        <p14:creationId xmlns:p14="http://schemas.microsoft.com/office/powerpoint/2010/main" val="647937052"/>
+      </p:ext>
+    </p:extLst>
+  </p:cSld>
+  <p:clrMapOvr>
+    <a:masterClrMapping/>
+  </p:clrMapOvr>
+</p:sld>
+</file>
+
 <file path=ppt/theme/theme1.xml><?xml version="1.0" encoding="utf-8"?>
 <a:theme xmlns:a="http://schemas.openxmlformats.org/drawingml/2006/main" name="Breeze">
   <a:themeElements>
